--- a/Presentation/Fedex interview Round 2.pptx
+++ b/Presentation/Fedex interview Round 2.pptx
@@ -4900,8 +4900,8 @@
         </p:nvSpPr>
         <p:spPr>
           <a:xfrm>
-            <a:off x="4535584" y="1302855"/>
-            <a:ext cx="2883310" cy="1283109"/>
+            <a:off x="4389120" y="1302855"/>
+            <a:ext cx="3029774" cy="1404537"/>
           </a:xfrm>
           <a:prstGeom prst="rect">
             <a:avLst/>
@@ -4956,7 +4956,7 @@
         <p:spPr>
           <a:xfrm>
             <a:off x="3095912" y="2975439"/>
-            <a:ext cx="1216743" cy="1215703"/>
+            <a:ext cx="1530952" cy="1404537"/>
           </a:xfrm>
           <a:prstGeom prst="ellipse">
             <a:avLst/>
@@ -5070,7 +5070,7 @@
         <p:spPr>
           <a:xfrm>
             <a:off x="5084556" y="3692526"/>
-            <a:ext cx="1785366" cy="1735896"/>
+            <a:ext cx="2111772" cy="2031618"/>
           </a:xfrm>
           <a:prstGeom prst="ellipse">
             <a:avLst/>
@@ -5296,8 +5296,8 @@
         </p:nvSpPr>
         <p:spPr>
           <a:xfrm>
-            <a:off x="7477232" y="3998857"/>
-            <a:ext cx="4323517" cy="2308324"/>
+            <a:off x="7260336" y="3998857"/>
+            <a:ext cx="4540413" cy="2308324"/>
           </a:xfrm>
           <a:prstGeom prst="rect">
             <a:avLst/>
@@ -5315,15 +5315,15 @@
               <a:buChar char="o"/>
             </a:pPr>
             <a:r>
-              <a:rPr lang="en-US" sz="1200" dirty="0"/>
+              <a:rPr lang="en-US" sz="1200" b="1" dirty="0"/>
               <a:t>Used </a:t>
             </a:r>
             <a:r>
-              <a:rPr lang="en-US" sz="1200" dirty="0" err="1"/>
+              <a:rPr lang="en-US" sz="1200" b="1" dirty="0" err="1"/>
               <a:t>Kmeans</a:t>
             </a:r>
             <a:r>
-              <a:rPr lang="en-US" sz="1200" dirty="0"/>
+              <a:rPr lang="en-US" sz="1200" b="1" dirty="0"/>
               <a:t> clustering to group the credit users</a:t>
             </a:r>
           </a:p>
@@ -5332,7 +5332,7 @@
               <a:buFont typeface="Courier New" panose="02070309020205020404" pitchFamily="49" charset="0"/>
               <a:buChar char="o"/>
             </a:pPr>
-            <a:endParaRPr lang="en-US" sz="1200" dirty="0"/>
+            <a:endParaRPr lang="en-US" sz="1200" b="1" dirty="0"/>
           </a:p>
           <a:p>
             <a:pPr marL="285750" indent="-285750">
@@ -5340,7 +5340,7 @@
               <a:buChar char="o"/>
             </a:pPr>
             <a:r>
-              <a:rPr lang="en-US" sz="1200" dirty="0"/>
+              <a:rPr lang="en-US" sz="1200" b="1" dirty="0"/>
               <a:t>To visualize the group segments I employed a boxplot graph</a:t>
             </a:r>
           </a:p>
@@ -5349,7 +5349,7 @@
               <a:buFont typeface="Courier New" panose="02070309020205020404" pitchFamily="49" charset="0"/>
               <a:buChar char="o"/>
             </a:pPr>
-            <a:endParaRPr lang="en-US" sz="1200" dirty="0"/>
+            <a:endParaRPr lang="en-US" sz="1200" b="1" dirty="0"/>
           </a:p>
           <a:p>
             <a:pPr marL="285750" indent="-285750">
@@ -5357,7 +5357,7 @@
               <a:buChar char="o"/>
             </a:pPr>
             <a:r>
-              <a:rPr lang="en-US" sz="1200" dirty="0"/>
+              <a:rPr lang="en-US" sz="1200" b="1" dirty="0"/>
               <a:t>Then to evaluate the clustering I looked at the silhouette score: a positive value up to 1 implies the observed value is like other observed values in cluster, and a neg. value to -1 implies the opposite</a:t>
             </a:r>
           </a:p>
@@ -5367,7 +5367,7 @@
               <a:buChar char="o"/>
             </a:pPr>
             <a:r>
-              <a:rPr lang="en-US" sz="1200" dirty="0"/>
+              <a:rPr lang="en-US" sz="1200" b="1" dirty="0"/>
               <a:t>Here we can see the outlier data moving negative in some of the clusters</a:t>
             </a:r>
           </a:p>
@@ -5377,15 +5377,15 @@
               <a:buChar char="o"/>
             </a:pPr>
             <a:r>
-              <a:rPr lang="en-US" sz="1200" dirty="0"/>
+              <a:rPr lang="en-US" sz="1200" b="1" dirty="0"/>
               <a:t>3 PC’s accounted </a:t>
             </a:r>
             <a:r>
-              <a:rPr lang="en-US" sz="1200" dirty="0" err="1"/>
+              <a:rPr lang="en-US" sz="1200" b="1" dirty="0" err="1"/>
               <a:t>fro</a:t>
             </a:r>
             <a:r>
-              <a:rPr lang="en-US" sz="1200" dirty="0"/>
+              <a:rPr lang="en-US" sz="1200" b="1" dirty="0"/>
               <a:t> 92% of the variance</a:t>
             </a:r>
           </a:p>
@@ -5492,7 +5492,7 @@
         </p:blipFill>
         <p:spPr>
           <a:xfrm>
-            <a:off x="4107018" y="4087108"/>
+            <a:off x="4009139" y="4146425"/>
             <a:ext cx="3183230" cy="2308324"/>
           </a:xfrm>
           <a:prstGeom prst="rect">
@@ -5656,7 +5656,7 @@
         </p:nvSpPr>
         <p:spPr>
           <a:xfrm>
-            <a:off x="3896759" y="2779640"/>
+            <a:off x="3593465" y="2744804"/>
             <a:ext cx="6761215" cy="3895951"/>
           </a:xfrm>
         </p:spPr>
@@ -5665,44 +5665,44 @@
           <a:lstStyle/>
           <a:p>
             <a:r>
-              <a:rPr lang="en-US" dirty="0"/>
+              <a:rPr lang="en-US" b="1" dirty="0"/>
               <a:t>Highest limit</a:t>
             </a:r>
           </a:p>
           <a:p>
-            <a:endParaRPr lang="en-US" dirty="0"/>
-          </a:p>
-          <a:p>
-            <a:r>
-              <a:rPr lang="en-US" dirty="0"/>
+            <a:endParaRPr lang="en-US" b="1" dirty="0"/>
+          </a:p>
+          <a:p>
+            <a:r>
+              <a:rPr lang="en-US" b="1" dirty="0"/>
               <a:t>Largest purchases</a:t>
             </a:r>
           </a:p>
           <a:p>
-            <a:endParaRPr lang="en-US" dirty="0"/>
-          </a:p>
-          <a:p>
-            <a:r>
-              <a:rPr lang="en-US" dirty="0"/>
+            <a:endParaRPr lang="en-US" b="1" dirty="0"/>
+          </a:p>
+          <a:p>
+            <a:r>
+              <a:rPr lang="en-US" b="1" dirty="0"/>
               <a:t>Largest payments</a:t>
             </a:r>
           </a:p>
           <a:p>
-            <a:endParaRPr lang="en-US" dirty="0"/>
-          </a:p>
-          <a:p>
-            <a:r>
-              <a:rPr lang="en-US" dirty="0"/>
+            <a:endParaRPr lang="en-US" b="1" dirty="0"/>
+          </a:p>
+          <a:p>
+            <a:r>
+              <a:rPr lang="en-US" b="1" dirty="0"/>
               <a:t>Second highest balance</a:t>
             </a:r>
           </a:p>
           <a:p>
-            <a:endParaRPr lang="en-US" dirty="0"/>
-          </a:p>
-          <a:p>
-            <a:r>
-              <a:rPr lang="en-US" dirty="0"/>
-              <a:t>Mission – advertise new no limit card to this group to attempt to incentive them to spend more, more often</a:t>
+            <a:endParaRPr lang="en-US" b="1" dirty="0"/>
+          </a:p>
+          <a:p>
+            <a:r>
+              <a:rPr lang="en-US" b="1" dirty="0"/>
+              <a:t>Mission – advertise new no limit card offers to this group to attempt to incentive them to spend more, more often. Investigate online purchase frequency</a:t>
             </a:r>
           </a:p>
         </p:txBody>
@@ -5919,7 +5919,7 @@
         </p:nvSpPr>
         <p:spPr>
           <a:xfrm>
-            <a:off x="3558155" y="2914819"/>
+            <a:off x="3396587" y="2767909"/>
             <a:ext cx="7221066" cy="4091417"/>
           </a:xfrm>
         </p:spPr>
@@ -5930,51 +5930,51 @@
           <a:lstStyle/>
           <a:p>
             <a:r>
-              <a:rPr lang="en-US" sz="1600" dirty="0"/>
+              <a:rPr lang="en-US" sz="1600" b="1" dirty="0"/>
               <a:t>2</a:t>
             </a:r>
             <a:r>
-              <a:rPr lang="en-US" sz="1600" baseline="30000" dirty="0"/>
+              <a:rPr lang="en-US" sz="1600" b="1" baseline="30000" dirty="0"/>
               <a:t>nd</a:t>
             </a:r>
             <a:r>
-              <a:rPr lang="en-US" sz="1600" dirty="0"/>
+              <a:rPr lang="en-US" sz="1600" b="1" dirty="0"/>
               <a:t> highest limit</a:t>
             </a:r>
           </a:p>
           <a:p>
-            <a:endParaRPr lang="en-US" sz="1600" dirty="0"/>
-          </a:p>
-          <a:p>
-            <a:r>
-              <a:rPr lang="en-US" sz="1600" dirty="0"/>
+            <a:endParaRPr lang="en-US" sz="1600" b="1" dirty="0"/>
+          </a:p>
+          <a:p>
+            <a:r>
+              <a:rPr lang="en-US" sz="1600" b="1" dirty="0"/>
               <a:t>3</a:t>
             </a:r>
             <a:r>
-              <a:rPr lang="en-US" sz="1600" baseline="30000" dirty="0"/>
+              <a:rPr lang="en-US" sz="1600" b="1" baseline="30000" dirty="0"/>
               <a:t>rd</a:t>
             </a:r>
             <a:r>
-              <a:rPr lang="en-US" sz="1600" dirty="0"/>
+              <a:rPr lang="en-US" sz="1600" b="1" dirty="0"/>
               <a:t> highest balance</a:t>
             </a:r>
           </a:p>
           <a:p>
-            <a:endParaRPr lang="en-US" sz="1600" dirty="0"/>
-          </a:p>
-          <a:p>
-            <a:r>
-              <a:rPr lang="en-US" sz="1600" dirty="0"/>
+            <a:endParaRPr lang="en-US" sz="1600" b="1" dirty="0"/>
+          </a:p>
+          <a:p>
+            <a:r>
+              <a:rPr lang="en-US" sz="1600" b="1" dirty="0"/>
               <a:t>Second highest purchase amount and payment amount</a:t>
             </a:r>
           </a:p>
           <a:p>
-            <a:endParaRPr lang="en-US" sz="1600" dirty="0"/>
-          </a:p>
-          <a:p>
-            <a:r>
-              <a:rPr lang="en-US" sz="1600" dirty="0"/>
-              <a:t>Mission: advise Bank Z to monitor this group for a potential credit limit increase, implement a new larger cash back bonus program when purchase exceed a certain amount to incentivize them the make larger purchases</a:t>
+            <a:endParaRPr lang="en-US" sz="1600" b="1" dirty="0"/>
+          </a:p>
+          <a:p>
+            <a:r>
+              <a:rPr lang="en-US" sz="1600" b="1" dirty="0"/>
+              <a:t>Mission: advise Bank Z to monitor this group for a potential credit limit increase, implement a new larger cash back bonus program when purchase exceed a certain amount to incentivize them the make larger purchases. Understand the cash advance patterns in this group</a:t>
             </a:r>
           </a:p>
         </p:txBody>
@@ -6227,54 +6227,62 @@
         </p:nvSpPr>
         <p:spPr>
           <a:xfrm>
-            <a:off x="4101591" y="3244131"/>
+            <a:off x="3645283" y="3059935"/>
             <a:ext cx="6761215" cy="3081601"/>
           </a:xfrm>
         </p:spPr>
         <p:txBody>
           <a:bodyPr>
-            <a:normAutofit/>
+            <a:normAutofit fontScale="92500" lnSpcReduction="10000"/>
           </a:bodyPr>
           <a:lstStyle/>
           <a:p>
             <a:r>
-              <a:rPr lang="en-US" sz="1600" dirty="0"/>
+              <a:rPr lang="en-US" sz="1600" b="1" dirty="0"/>
               <a:t>3</a:t>
             </a:r>
             <a:r>
-              <a:rPr lang="en-US" sz="1600" baseline="30000" dirty="0"/>
+              <a:rPr lang="en-US" sz="1600" b="1" baseline="30000" dirty="0"/>
               <a:t>rd</a:t>
             </a:r>
             <a:r>
-              <a:rPr lang="en-US" sz="1600" dirty="0"/>
+              <a:rPr lang="en-US" sz="1600" b="1" dirty="0"/>
               <a:t> highest limit</a:t>
             </a:r>
           </a:p>
           <a:p>
-            <a:endParaRPr lang="en-US" sz="1600" dirty="0"/>
-          </a:p>
-          <a:p>
-            <a:r>
-              <a:rPr lang="en-US" sz="1600" dirty="0"/>
+            <a:endParaRPr lang="en-US" sz="1600" b="1" dirty="0"/>
+          </a:p>
+          <a:p>
+            <a:r>
+              <a:rPr lang="en-US" sz="1600" b="1" dirty="0"/>
               <a:t>Highest balance</a:t>
             </a:r>
           </a:p>
           <a:p>
-            <a:endParaRPr lang="en-US" sz="1600" dirty="0"/>
-          </a:p>
-          <a:p>
-            <a:r>
-              <a:rPr lang="en-US" sz="1600" dirty="0"/>
+            <a:endParaRPr lang="en-US" sz="1600" b="1" dirty="0"/>
+          </a:p>
+          <a:p>
+            <a:r>
+              <a:rPr lang="en-US" sz="1600" b="1" dirty="0"/>
               <a:t>Largest cash advance group</a:t>
             </a:r>
           </a:p>
           <a:p>
-            <a:endParaRPr lang="en-US" sz="1600" dirty="0"/>
-          </a:p>
-          <a:p>
-            <a:r>
-              <a:rPr lang="en-US" sz="1600" dirty="0"/>
-              <a:t>Mission: collect more data on this group to understand spending patterns</a:t>
+            <a:endParaRPr lang="en-US" sz="1600" b="1" dirty="0"/>
+          </a:p>
+          <a:p>
+            <a:r>
+              <a:rPr lang="en-US" sz="1600" b="1" dirty="0"/>
+              <a:t>Mission: collect more data on this group to understand spending patterns </a:t>
+            </a:r>
+            <a:r>
+              <a:rPr lang="en-US" sz="1600" b="1" dirty="0" err="1"/>
+              <a:t>purchse</a:t>
+            </a:r>
+            <a:r>
+              <a:rPr lang="en-US" sz="1600" b="1" dirty="0"/>
+              <a:t> and payment patterns are very tight, so investigate purchase categories and see if a new or different type of card would incentivize purchases</a:t>
             </a:r>
           </a:p>
         </p:txBody>
@@ -6431,90 +6439,90 @@
           <a:lstStyle/>
           <a:p>
             <a:r>
-              <a:rPr lang="en-US" dirty="0"/>
+              <a:rPr lang="en-US" b="1" dirty="0"/>
               <a:t>The data set had several null values that needed to be cleaned</a:t>
             </a:r>
           </a:p>
           <a:p>
-            <a:endParaRPr lang="en-US" dirty="0"/>
-          </a:p>
-          <a:p>
-            <a:r>
-              <a:rPr lang="en-US" dirty="0"/>
+            <a:endParaRPr lang="en-US" b="1" dirty="0"/>
+          </a:p>
+          <a:p>
+            <a:r>
+              <a:rPr lang="en-US" b="1" dirty="0"/>
               <a:t>There were lots of “0” values that caused cluster analysis to be difficult, so they were removed</a:t>
             </a:r>
           </a:p>
           <a:p>
-            <a:endParaRPr lang="en-US" dirty="0"/>
-          </a:p>
-          <a:p>
-            <a:r>
-              <a:rPr lang="en-US" dirty="0"/>
+            <a:endParaRPr lang="en-US" b="1" dirty="0"/>
+          </a:p>
+          <a:p>
+            <a:r>
+              <a:rPr lang="en-US" b="1" dirty="0"/>
               <a:t>Heat plot was used to visualized correlations across all datasets</a:t>
             </a:r>
           </a:p>
           <a:p>
-            <a:endParaRPr lang="en-US" dirty="0"/>
-          </a:p>
-          <a:p>
-            <a:r>
-              <a:rPr lang="en-US" dirty="0"/>
+            <a:endParaRPr lang="en-US" b="1" dirty="0"/>
+          </a:p>
+          <a:p>
+            <a:r>
+              <a:rPr lang="en-US" b="1" dirty="0"/>
               <a:t>The data had a highly skewed nature that required log norm adjustment</a:t>
             </a:r>
           </a:p>
           <a:p>
             <a:r>
-              <a:rPr lang="en-US" dirty="0"/>
+              <a:rPr lang="en-US" b="1" dirty="0"/>
               <a:t>Selected cluster count with elbow plot</a:t>
             </a:r>
           </a:p>
           <a:p>
             <a:r>
-              <a:rPr lang="en-US" dirty="0"/>
+              <a:rPr lang="en-US" b="1" dirty="0"/>
               <a:t>Used boxplots to visualize the clustering results, and guide interpretation </a:t>
             </a:r>
           </a:p>
           <a:p>
             <a:r>
-              <a:rPr lang="en-US" dirty="0"/>
+              <a:rPr lang="en-US" b="1" dirty="0"/>
               <a:t>Used silhouette </a:t>
             </a:r>
             <a:r>
-              <a:rPr lang="en-US" dirty="0" err="1"/>
+              <a:rPr lang="en-US" b="1" dirty="0" err="1"/>
               <a:t>coeff</a:t>
             </a:r>
             <a:r>
-              <a:rPr lang="en-US" dirty="0"/>
+              <a:rPr lang="en-US" b="1" dirty="0"/>
               <a:t> to understand cluster selection</a:t>
             </a:r>
           </a:p>
           <a:p>
-            <a:endParaRPr lang="en-US" dirty="0"/>
-          </a:p>
-          <a:p>
-            <a:r>
-              <a:rPr lang="en-US" dirty="0"/>
+            <a:endParaRPr lang="en-US" b="1" dirty="0"/>
+          </a:p>
+          <a:p>
+            <a:r>
+              <a:rPr lang="en-US" b="1" dirty="0"/>
               <a:t>Used PCA with 2 components to visualize clusters</a:t>
             </a:r>
           </a:p>
           <a:p>
             <a:pPr lvl="1"/>
             <a:r>
-              <a:rPr lang="en-US" dirty="0"/>
+              <a:rPr lang="en-US" b="1" dirty="0"/>
               <a:t>Accounted for 84% of variance (3 PCs accounted for 96% of variance)</a:t>
             </a:r>
           </a:p>
           <a:p>
-            <a:endParaRPr lang="en-US" dirty="0"/>
-          </a:p>
-          <a:p>
-            <a:endParaRPr lang="en-US" dirty="0"/>
-          </a:p>
-          <a:p>
-            <a:endParaRPr lang="en-US" dirty="0"/>
-          </a:p>
-          <a:p>
-            <a:endParaRPr lang="en-US" dirty="0"/>
+            <a:endParaRPr lang="en-US" b="1" dirty="0"/>
+          </a:p>
+          <a:p>
+            <a:endParaRPr lang="en-US" b="1" dirty="0"/>
+          </a:p>
+          <a:p>
+            <a:endParaRPr lang="en-US" b="1" dirty="0"/>
+          </a:p>
+          <a:p>
+            <a:endParaRPr lang="en-US" b="1" dirty="0"/>
           </a:p>
         </p:txBody>
       </p:sp>
@@ -6772,15 +6780,274 @@
             <p:ph idx="1"/>
           </p:nvPr>
         </p:nvSpPr>
-        <p:spPr/>
-        <p:txBody>
-          <a:bodyPr/>
+        <p:spPr>
+          <a:xfrm>
+            <a:off x="433388" y="2117180"/>
+            <a:ext cx="7204441" cy="4374451"/>
+          </a:xfrm>
+        </p:spPr>
+        <p:txBody>
+          <a:bodyPr>
+            <a:normAutofit/>
+          </a:bodyPr>
           <a:lstStyle/>
           <a:p>
-            <a:endParaRPr lang="en-US" dirty="0"/>
-          </a:p>
-        </p:txBody>
-      </p:sp>
+            <a:r>
+              <a:rPr lang="en-US" b="1" dirty="0"/>
+              <a:t>Unsupervised clustering work revealed 3 distinct groups with unique credit use patterns</a:t>
+            </a:r>
+          </a:p>
+          <a:p>
+            <a:endParaRPr lang="en-US" b="1" dirty="0"/>
+          </a:p>
+          <a:p>
+            <a:r>
+              <a:rPr lang="en-US" b="1" dirty="0"/>
+              <a:t>Continued data collection is advised but there are some emerging trends in credit use that can be used for outreach and marketing</a:t>
+            </a:r>
+          </a:p>
+          <a:p>
+            <a:endParaRPr lang="en-US" b="1" dirty="0"/>
+          </a:p>
+          <a:p>
+            <a:r>
+              <a:rPr lang="en-US" b="1" dirty="0"/>
+              <a:t>Investigate other types of clustering workflows to see if there is a better way to break out the group – Hierarchical clustering might be a next step</a:t>
+            </a:r>
+          </a:p>
+          <a:p>
+            <a:endParaRPr lang="en-US" b="1" dirty="0"/>
+          </a:p>
+          <a:p>
+            <a:r>
+              <a:rPr lang="en-US" b="1" dirty="0"/>
+              <a:t>Determine if there might be a better way to handle the null data; a insert median value operation might provide more useful data</a:t>
+            </a:r>
+          </a:p>
+        </p:txBody>
+      </p:sp>
+      <p:sp>
+        <p:nvSpPr>
+          <p:cNvPr id="4" name="Oval 3">
+            <a:extLst>
+              <a:ext uri="{FF2B5EF4-FFF2-40B4-BE49-F238E27FC236}">
+                <a16:creationId xmlns:a16="http://schemas.microsoft.com/office/drawing/2014/main" id="{92DFD0CD-1EAF-44D0-AA1B-37881630A951}"/>
+              </a:ext>
+            </a:extLst>
+          </p:cNvPr>
+          <p:cNvSpPr/>
+          <p:nvPr/>
+        </p:nvSpPr>
+        <p:spPr>
+          <a:xfrm>
+            <a:off x="9631319" y="2422502"/>
+            <a:ext cx="2210348" cy="2012996"/>
+          </a:xfrm>
+          <a:prstGeom prst="ellipse">
+            <a:avLst/>
+          </a:prstGeom>
+          <a:solidFill>
+            <a:srgbClr val="7030A0"/>
+          </a:solidFill>
+        </p:spPr>
+        <p:style>
+          <a:lnRef idx="2">
+            <a:schemeClr val="accent1">
+              <a:shade val="50000"/>
+            </a:schemeClr>
+          </a:lnRef>
+          <a:fillRef idx="1">
+            <a:schemeClr val="accent1"/>
+          </a:fillRef>
+          <a:effectRef idx="0">
+            <a:schemeClr val="accent1"/>
+          </a:effectRef>
+          <a:fontRef idx="minor">
+            <a:schemeClr val="lt1"/>
+          </a:fontRef>
+        </p:style>
+        <p:txBody>
+          <a:bodyPr rtlCol="0" anchor="ctr"/>
+          <a:lstStyle/>
+          <a:p>
+            <a:pPr algn="ctr"/>
+            <a:endParaRPr lang="en-US" sz="8800" b="1" dirty="0"/>
+          </a:p>
+        </p:txBody>
+      </p:sp>
+      <p:sp>
+        <p:nvSpPr>
+          <p:cNvPr id="5" name="Oval 4">
+            <a:extLst>
+              <a:ext uri="{FF2B5EF4-FFF2-40B4-BE49-F238E27FC236}">
+                <a16:creationId xmlns:a16="http://schemas.microsoft.com/office/drawing/2014/main" id="{D07DA5B0-02C8-4EAC-8A46-B47DF02D4CFE}"/>
+              </a:ext>
+            </a:extLst>
+          </p:cNvPr>
+          <p:cNvSpPr/>
+          <p:nvPr/>
+        </p:nvSpPr>
+        <p:spPr>
+          <a:xfrm>
+            <a:off x="7923310" y="444350"/>
+            <a:ext cx="2210348" cy="2012996"/>
+          </a:xfrm>
+          <a:prstGeom prst="ellipse">
+            <a:avLst/>
+          </a:prstGeom>
+          <a:solidFill>
+            <a:srgbClr val="CA6306"/>
+          </a:solidFill>
+        </p:spPr>
+        <p:style>
+          <a:lnRef idx="2">
+            <a:schemeClr val="accent1">
+              <a:shade val="50000"/>
+            </a:schemeClr>
+          </a:lnRef>
+          <a:fillRef idx="1">
+            <a:schemeClr val="accent1"/>
+          </a:fillRef>
+          <a:effectRef idx="0">
+            <a:schemeClr val="accent1"/>
+          </a:effectRef>
+          <a:fontRef idx="minor">
+            <a:schemeClr val="lt1"/>
+          </a:fontRef>
+        </p:style>
+        <p:txBody>
+          <a:bodyPr rtlCol="0" anchor="ctr"/>
+          <a:lstStyle/>
+          <a:p>
+            <a:pPr algn="ctr"/>
+            <a:r>
+              <a:rPr lang="en-US" sz="8800" b="1" dirty="0"/>
+              <a:t>?</a:t>
+            </a:r>
+          </a:p>
+        </p:txBody>
+      </p:sp>
+      <p:sp>
+        <p:nvSpPr>
+          <p:cNvPr id="6" name="Oval 5">
+            <a:extLst>
+              <a:ext uri="{FF2B5EF4-FFF2-40B4-BE49-F238E27FC236}">
+                <a16:creationId xmlns:a16="http://schemas.microsoft.com/office/drawing/2014/main" id="{75171BB1-417C-4E79-BD14-D24CE95DF79F}"/>
+              </a:ext>
+            </a:extLst>
+          </p:cNvPr>
+          <p:cNvSpPr/>
+          <p:nvPr/>
+        </p:nvSpPr>
+        <p:spPr>
+          <a:xfrm>
+            <a:off x="7595968" y="4204333"/>
+            <a:ext cx="2210348" cy="2012996"/>
+          </a:xfrm>
+          <a:prstGeom prst="ellipse">
+            <a:avLst/>
+          </a:prstGeom>
+          <a:solidFill>
+            <a:schemeClr val="bg1"/>
+          </a:solidFill>
+        </p:spPr>
+        <p:style>
+          <a:lnRef idx="2">
+            <a:schemeClr val="accent1">
+              <a:shade val="50000"/>
+            </a:schemeClr>
+          </a:lnRef>
+          <a:fillRef idx="1">
+            <a:schemeClr val="accent1"/>
+          </a:fillRef>
+          <a:effectRef idx="0">
+            <a:schemeClr val="accent1"/>
+          </a:effectRef>
+          <a:fontRef idx="minor">
+            <a:schemeClr val="lt1"/>
+          </a:fontRef>
+        </p:style>
+        <p:txBody>
+          <a:bodyPr rtlCol="0" anchor="ctr"/>
+          <a:lstStyle/>
+          <a:p>
+            <a:pPr algn="ctr"/>
+            <a:endParaRPr lang="en-US"/>
+          </a:p>
+        </p:txBody>
+      </p:sp>
+      <p:pic>
+        <p:nvPicPr>
+          <p:cNvPr id="11" name="Picture 10">
+            <a:extLst>
+              <a:ext uri="{FF2B5EF4-FFF2-40B4-BE49-F238E27FC236}">
+                <a16:creationId xmlns:a16="http://schemas.microsoft.com/office/drawing/2014/main" id="{CCDE3023-5E11-4EF5-8AE5-5001B55DD3F0}"/>
+              </a:ext>
+            </a:extLst>
+          </p:cNvPr>
+          <p:cNvPicPr>
+            <a:picLocks noChangeAspect="1"/>
+          </p:cNvPicPr>
+          <p:nvPr/>
+        </p:nvPicPr>
+        <p:blipFill>
+          <a:blip r:embed="rId2">
+            <a:extLst>
+              <a:ext uri="{837473B0-CC2E-450A-ABE3-18F120FF3D39}">
+                <a1611:picAttrSrcUrl xmlns:a1611="http://schemas.microsoft.com/office/drawing/2016/11/main" r:id="rId3"/>
+              </a:ext>
+            </a:extLst>
+          </a:blip>
+          <a:stretch>
+            <a:fillRect/>
+          </a:stretch>
+        </p:blipFill>
+        <p:spPr>
+          <a:xfrm>
+            <a:off x="9943964" y="2653259"/>
+            <a:ext cx="1438754" cy="1438754"/>
+          </a:xfrm>
+          <a:prstGeom prst="rect">
+            <a:avLst/>
+          </a:prstGeom>
+        </p:spPr>
+      </p:pic>
+      <p:pic>
+        <p:nvPicPr>
+          <p:cNvPr id="14" name="Picture 13">
+            <a:extLst>
+              <a:ext uri="{FF2B5EF4-FFF2-40B4-BE49-F238E27FC236}">
+                <a16:creationId xmlns:a16="http://schemas.microsoft.com/office/drawing/2014/main" id="{2FE93844-1EFB-494E-A9A8-32A113FF5EC7}"/>
+              </a:ext>
+            </a:extLst>
+          </p:cNvPr>
+          <p:cNvPicPr>
+            <a:picLocks noChangeAspect="1"/>
+          </p:cNvPicPr>
+          <p:nvPr/>
+        </p:nvPicPr>
+        <p:blipFill>
+          <a:blip r:embed="rId4">
+            <a:extLst>
+              <a:ext uri="{837473B0-CC2E-450A-ABE3-18F120FF3D39}">
+                <a1611:picAttrSrcUrl xmlns:a1611="http://schemas.microsoft.com/office/drawing/2016/11/main" r:id="rId5"/>
+              </a:ext>
+            </a:extLst>
+          </a:blip>
+          <a:stretch>
+            <a:fillRect/>
+          </a:stretch>
+        </p:blipFill>
+        <p:spPr>
+          <a:xfrm>
+            <a:off x="7849715" y="4581144"/>
+            <a:ext cx="1608467" cy="1490471"/>
+          </a:xfrm>
+          <a:prstGeom prst="rect">
+            <a:avLst/>
+          </a:prstGeom>
+        </p:spPr>
+      </p:pic>
     </p:spTree>
     <p:extLst>
       <p:ext uri="{BB962C8B-B14F-4D97-AF65-F5344CB8AC3E}">
@@ -7071,6 +7338,24 @@
 </file>
 
 <file path=customXml/item1.xml><?xml version="1.0" encoding="utf-8"?>
+<p:properties xmlns:p="http://schemas.microsoft.com/office/2006/metadata/properties" xmlns:xsi="http://www.w3.org/2001/XMLSchema-instance" xmlns:pc="http://schemas.microsoft.com/office/infopath/2007/PartnerControls">
+  <documentManagement>
+    <Status xmlns="71af3243-3dd4-4a8d-8c0d-dd76da1f02a5">Not started</Status>
+    <MediaServiceKeyPoints xmlns="71af3243-3dd4-4a8d-8c0d-dd76da1f02a5" xsi:nil="true"/>
+  </documentManagement>
+</p:properties>
+</file>
+
+<file path=customXml/item2.xml><?xml version="1.0" encoding="utf-8"?>
+<?mso-contentType ?>
+<FormTemplates xmlns="http://schemas.microsoft.com/sharepoint/v3/contenttype/forms">
+  <Display>DocumentLibraryForm</Display>
+  <Edit>DocumentLibraryForm</Edit>
+  <New>DocumentLibraryForm</New>
+</FormTemplates>
+</file>
+
+<file path=customXml/item3.xml><?xml version="1.0" encoding="utf-8"?>
 <ct:contentTypeSchema xmlns:ct="http://schemas.microsoft.com/office/2006/metadata/contentType" xmlns:ma="http://schemas.microsoft.com/office/2006/metadata/properties/metaAttributes" ct:_="" ma:_="" ma:contentTypeName="Document" ma:contentTypeID="0x01010079F111ED35F8CC479449609E8A0923A6" ma:contentTypeVersion="12" ma:contentTypeDescription="Create a new document." ma:contentTypeScope="" ma:versionID="a410dd7f93c95333ffa1b60ed6adedd1">
   <xsd:schema xmlns:xsd="http://www.w3.org/2001/XMLSchema" xmlns:xs="http://www.w3.org/2001/XMLSchema" xmlns:p="http://schemas.microsoft.com/office/2006/metadata/properties" xmlns:ns2="71af3243-3dd4-4a8d-8c0d-dd76da1f02a5" xmlns:ns3="16c05727-aa75-4e4a-9b5f-8a80a1165891" targetNamespace="http://schemas.microsoft.com/office/2006/metadata/properties" ma:root="true" ma:fieldsID="a936d9baba76aa3866493feff160faab" ns2:_="" ns3:_="">
     <xsd:import namespace="71af3243-3dd4-4a8d-8c0d-dd76da1f02a5"/>
@@ -7291,25 +7576,25 @@
 </ct:contentTypeSchema>
 </file>
 
-<file path=customXml/item2.xml><?xml version="1.0" encoding="utf-8"?>
-<?mso-contentType ?>
-<FormTemplates xmlns="http://schemas.microsoft.com/sharepoint/v3/contenttype/forms">
-  <Display>DocumentLibraryForm</Display>
-  <Edit>DocumentLibraryForm</Edit>
-  <New>DocumentLibraryForm</New>
-</FormTemplates>
+<file path=customXml/itemProps1.xml><?xml version="1.0" encoding="utf-8"?>
+<ds:datastoreItem xmlns:ds="http://schemas.openxmlformats.org/officeDocument/2006/customXml" ds:itemID="{E7228C0C-F774-4270-99CB-314B07EBFBE7}">
+  <ds:schemaRefs>
+    <ds:schemaRef ds:uri="http://schemas.microsoft.com/office/2006/metadata/properties"/>
+    <ds:schemaRef ds:uri="http://schemas.microsoft.com/office/infopath/2007/PartnerControls"/>
+    <ds:schemaRef ds:uri="71af3243-3dd4-4a8d-8c0d-dd76da1f02a5"/>
+  </ds:schemaRefs>
+</ds:datastoreItem>
 </file>
 
-<file path=customXml/item3.xml><?xml version="1.0" encoding="utf-8"?>
-<p:properties xmlns:p="http://schemas.microsoft.com/office/2006/metadata/properties" xmlns:xsi="http://www.w3.org/2001/XMLSchema-instance" xmlns:pc="http://schemas.microsoft.com/office/infopath/2007/PartnerControls">
-  <documentManagement>
-    <Status xmlns="71af3243-3dd4-4a8d-8c0d-dd76da1f02a5">Not started</Status>
-    <MediaServiceKeyPoints xmlns="71af3243-3dd4-4a8d-8c0d-dd76da1f02a5" xsi:nil="true"/>
-  </documentManagement>
-</p:properties>
+<file path=customXml/itemProps2.xml><?xml version="1.0" encoding="utf-8"?>
+<ds:datastoreItem xmlns:ds="http://schemas.openxmlformats.org/officeDocument/2006/customXml" ds:itemID="{7745B92C-4D89-4324-B52D-E1F5F627B790}">
+  <ds:schemaRefs>
+    <ds:schemaRef ds:uri="http://schemas.microsoft.com/sharepoint/v3/contenttype/forms"/>
+  </ds:schemaRefs>
+</ds:datastoreItem>
 </file>
 
-<file path=customXml/itemProps1.xml><?xml version="1.0" encoding="utf-8"?>
+<file path=customXml/itemProps3.xml><?xml version="1.0" encoding="utf-8"?>
 <ds:datastoreItem xmlns:ds="http://schemas.openxmlformats.org/officeDocument/2006/customXml" ds:itemID="{E4487CEA-7875-4327-875F-CA3B32E8009E}">
   <ds:schemaRefs>
     <ds:schemaRef ds:uri="http://schemas.microsoft.com/office/2006/metadata/contentType"/>
@@ -7326,22 +7611,4 @@
     <ds:schemaRef ds:uri="http://schemas.microsoft.com/internal/obd"/>
   </ds:schemaRefs>
 </ds:datastoreItem>
-</file>
-
-<file path=customXml/itemProps2.xml><?xml version="1.0" encoding="utf-8"?>
-<ds:datastoreItem xmlns:ds="http://schemas.openxmlformats.org/officeDocument/2006/customXml" ds:itemID="{7745B92C-4D89-4324-B52D-E1F5F627B790}">
-  <ds:schemaRefs>
-    <ds:schemaRef ds:uri="http://schemas.microsoft.com/sharepoint/v3/contenttype/forms"/>
-  </ds:schemaRefs>
-</ds:datastoreItem>
-</file>
-
-<file path=customXml/itemProps3.xml><?xml version="1.0" encoding="utf-8"?>
-<ds:datastoreItem xmlns:ds="http://schemas.openxmlformats.org/officeDocument/2006/customXml" ds:itemID="{E7228C0C-F774-4270-99CB-314B07EBFBE7}">
-  <ds:schemaRefs>
-    <ds:schemaRef ds:uri="http://schemas.microsoft.com/office/2006/metadata/properties"/>
-    <ds:schemaRef ds:uri="http://schemas.microsoft.com/office/infopath/2007/PartnerControls"/>
-    <ds:schemaRef ds:uri="71af3243-3dd4-4a8d-8c0d-dd76da1f02a5"/>
-  </ds:schemaRefs>
-</ds:datastoreItem>
 </file>
--- a/Presentation/Fedex interview Round 2.pptx
+++ b/Presentation/Fedex interview Round 2.pptx
@@ -14,6 +14,8 @@
     <p:sldId id="272" r:id="rId11"/>
     <p:sldId id="275" r:id="rId12"/>
     <p:sldId id="267" r:id="rId13"/>
+    <p:sldId id="276" r:id="rId14"/>
+    <p:sldId id="277" r:id="rId15"/>
   </p:sldIdLst>
   <p:sldSz cx="12192000" cy="6858000"/>
   <p:notesSz cx="6858000" cy="9144000"/>
@@ -4263,6 +4265,204 @@
 </p:sld>
 </file>
 
+<file path=ppt/slides/slide10.xml><?xml version="1.0" encoding="utf-8"?>
+<p:sld xmlns:a="http://schemas.openxmlformats.org/drawingml/2006/main" xmlns:r="http://schemas.openxmlformats.org/officeDocument/2006/relationships" xmlns:p="http://schemas.openxmlformats.org/presentationml/2006/main">
+  <p:cSld>
+    <p:spTree>
+      <p:nvGrpSpPr>
+        <p:cNvPr id="1" name=""/>
+        <p:cNvGrpSpPr/>
+        <p:nvPr/>
+      </p:nvGrpSpPr>
+      <p:grpSpPr>
+        <a:xfrm>
+          <a:off x="0" y="0"/>
+          <a:ext cx="0" cy="0"/>
+          <a:chOff x="0" y="0"/>
+          <a:chExt cx="0" cy="0"/>
+        </a:xfrm>
+      </p:grpSpPr>
+      <p:sp>
+        <p:nvSpPr>
+          <p:cNvPr id="2" name="Title 1">
+            <a:extLst>
+              <a:ext uri="{FF2B5EF4-FFF2-40B4-BE49-F238E27FC236}">
+                <a16:creationId xmlns:a16="http://schemas.microsoft.com/office/drawing/2014/main" id="{B5BD905F-6B44-45C5-87D7-DB15D454BC1A}"/>
+              </a:ext>
+            </a:extLst>
+          </p:cNvPr>
+          <p:cNvSpPr>
+            <a:spLocks noGrp="1"/>
+          </p:cNvSpPr>
+          <p:nvPr>
+            <p:ph type="title"/>
+          </p:nvPr>
+        </p:nvSpPr>
+        <p:spPr>
+          <a:xfrm>
+            <a:off x="1126006" y="2649012"/>
+            <a:ext cx="10058400" cy="1371600"/>
+          </a:xfrm>
+        </p:spPr>
+        <p:txBody>
+          <a:bodyPr/>
+          <a:lstStyle/>
+          <a:p>
+            <a:pPr algn="ctr"/>
+            <a:r>
+              <a:rPr lang="en-US" dirty="0"/>
+              <a:t>Questions?</a:t>
+            </a:r>
+          </a:p>
+        </p:txBody>
+      </p:sp>
+    </p:spTree>
+    <p:extLst>
+      <p:ext uri="{BB962C8B-B14F-4D97-AF65-F5344CB8AC3E}">
+        <p14:creationId xmlns:p14="http://schemas.microsoft.com/office/powerpoint/2010/main" val="3633723184"/>
+      </p:ext>
+    </p:extLst>
+  </p:cSld>
+  <p:clrMapOvr>
+    <a:masterClrMapping/>
+  </p:clrMapOvr>
+</p:sld>
+</file>
+
+<file path=ppt/slides/slide11.xml><?xml version="1.0" encoding="utf-8"?>
+<p:sld xmlns:a="http://schemas.openxmlformats.org/drawingml/2006/main" xmlns:r="http://schemas.openxmlformats.org/officeDocument/2006/relationships" xmlns:p="http://schemas.openxmlformats.org/presentationml/2006/main">
+  <p:cSld>
+    <p:spTree>
+      <p:nvGrpSpPr>
+        <p:cNvPr id="1" name=""/>
+        <p:cNvGrpSpPr/>
+        <p:nvPr/>
+      </p:nvGrpSpPr>
+      <p:grpSpPr>
+        <a:xfrm>
+          <a:off x="0" y="0"/>
+          <a:ext cx="0" cy="0"/>
+          <a:chOff x="0" y="0"/>
+          <a:chExt cx="0" cy="0"/>
+        </a:xfrm>
+      </p:grpSpPr>
+      <p:sp>
+        <p:nvSpPr>
+          <p:cNvPr id="2" name="Title 1">
+            <a:extLst>
+              <a:ext uri="{FF2B5EF4-FFF2-40B4-BE49-F238E27FC236}">
+                <a16:creationId xmlns:a16="http://schemas.microsoft.com/office/drawing/2014/main" id="{1B0DA1A9-CD5F-4A84-AD53-82C319E88A59}"/>
+              </a:ext>
+            </a:extLst>
+          </p:cNvPr>
+          <p:cNvSpPr>
+            <a:spLocks noGrp="1"/>
+          </p:cNvSpPr>
+          <p:nvPr>
+            <p:ph type="title"/>
+          </p:nvPr>
+        </p:nvSpPr>
+        <p:spPr>
+          <a:xfrm>
+            <a:off x="501056" y="366300"/>
+            <a:ext cx="10058400" cy="1371600"/>
+          </a:xfrm>
+        </p:spPr>
+        <p:txBody>
+          <a:bodyPr/>
+          <a:lstStyle/>
+          <a:p>
+            <a:r>
+              <a:rPr lang="en-US" dirty="0"/>
+              <a:t>Supplemental		</a:t>
+            </a:r>
+          </a:p>
+        </p:txBody>
+      </p:sp>
+      <p:sp>
+        <p:nvSpPr>
+          <p:cNvPr id="3" name="Content Placeholder 2">
+            <a:extLst>
+              <a:ext uri="{FF2B5EF4-FFF2-40B4-BE49-F238E27FC236}">
+                <a16:creationId xmlns:a16="http://schemas.microsoft.com/office/drawing/2014/main" id="{E7F07E03-6A94-4E4D-AEC2-B97D6D3C8BF7}"/>
+              </a:ext>
+            </a:extLst>
+          </p:cNvPr>
+          <p:cNvSpPr>
+            <a:spLocks noGrp="1"/>
+          </p:cNvSpPr>
+          <p:nvPr>
+            <p:ph idx="1"/>
+          </p:nvPr>
+        </p:nvSpPr>
+        <p:spPr>
+          <a:xfrm>
+            <a:off x="764192" y="1530798"/>
+            <a:ext cx="10484901" cy="4323994"/>
+          </a:xfrm>
+        </p:spPr>
+        <p:txBody>
+          <a:bodyPr>
+            <a:noAutofit/>
+          </a:bodyPr>
+          <a:lstStyle/>
+          <a:p>
+            <a:r>
+              <a:rPr lang="en-US" sz="1600" b="1" dirty="0"/>
+              <a:t>I have implemented a Unsupervised clustering of data then fed results into a supervised workflow to train an inferior dataset to reconstruct the facies log I was able to build with the cluster labels</a:t>
+            </a:r>
+          </a:p>
+          <a:p>
+            <a:endParaRPr lang="en-US" sz="1600" b="1" dirty="0"/>
+          </a:p>
+          <a:p>
+            <a:r>
+              <a:rPr lang="en-US" sz="1600" b="1" dirty="0"/>
+              <a:t>The supervised workflow was an ensemble WRF model and was evaluated on RMSE since it was a regression model and I felt that was a sufficient evaluation metric</a:t>
+            </a:r>
+          </a:p>
+          <a:p>
+            <a:endParaRPr lang="en-US" sz="1600" b="1" dirty="0"/>
+          </a:p>
+          <a:p>
+            <a:r>
+              <a:rPr lang="en-US" sz="1600" b="1" dirty="0"/>
+              <a:t>The final product was used to guide subsurface mapping efforts and high grade company acreage based on a correlation to a certain facies and well productivity</a:t>
+            </a:r>
+          </a:p>
+          <a:p>
+            <a:endParaRPr lang="en-US" sz="1600" b="1" dirty="0"/>
+          </a:p>
+          <a:p>
+            <a:r>
+              <a:rPr lang="en-US" sz="1600" b="1" dirty="0"/>
+              <a:t>In addition the model allowed us to visualize lateral distribution of containment facies which helped us to tailor our development strategy in certain areas</a:t>
+            </a:r>
+          </a:p>
+          <a:p>
+            <a:endParaRPr lang="en-US" sz="1600" b="1" dirty="0"/>
+          </a:p>
+          <a:p>
+            <a:r>
+              <a:rPr lang="en-US" sz="1600" b="1" dirty="0"/>
+              <a:t>I was not able to legally share these models today due to an ongoing acquisition and short timeline on project submission(legal dept wouldn’t have gotten back to me until after holidays)</a:t>
+            </a:r>
+          </a:p>
+        </p:txBody>
+      </p:sp>
+    </p:spTree>
+    <p:extLst>
+      <p:ext uri="{BB962C8B-B14F-4D97-AF65-F5344CB8AC3E}">
+        <p14:creationId xmlns:p14="http://schemas.microsoft.com/office/powerpoint/2010/main" val="121777189"/>
+      </p:ext>
+    </p:extLst>
+  </p:cSld>
+  <p:clrMapOvr>
+    <a:masterClrMapping/>
+  </p:clrMapOvr>
+</p:sld>
+</file>
+
 <file path=ppt/slides/slide2.xml><?xml version="1.0" encoding="utf-8"?>
 <p:sld xmlns:a="http://schemas.openxmlformats.org/drawingml/2006/main" xmlns:r="http://schemas.openxmlformats.org/officeDocument/2006/relationships" xmlns:p="http://schemas.openxmlformats.org/presentationml/2006/main">
   <p:cSld>
@@ -4470,30 +4670,14 @@
             </a:r>
             <a:r>
               <a:rPr lang="en-US" dirty="0"/>
-              <a:t> data and “0” data. While 0’s were </a:t>
-            </a:r>
-            <a:r>
-              <a:rPr lang="en-US" dirty="0" err="1"/>
-              <a:t>infact</a:t>
-            </a:r>
+              <a:t> data and “0” data. While 0’s were in-fact data, they were making the clustering workflow difficult to usefully interpret. </a:t>
+            </a:r>
+          </a:p>
+          <a:p>
+            <a:pPr lvl="1"/>
             <a:r>
               <a:rPr lang="en-US" dirty="0"/>
-              <a:t> data it was making the clustering workflow difficult to usefully interpret. </a:t>
-            </a:r>
-          </a:p>
-          <a:p>
-            <a:pPr lvl="1"/>
-            <a:r>
-              <a:rPr lang="en-US" dirty="0"/>
-              <a:t>My solution was to eliminate “0” data and drop all null data. For model </a:t>
-            </a:r>
-            <a:r>
-              <a:rPr lang="en-US" dirty="0" err="1"/>
-              <a:t>evalution</a:t>
-            </a:r>
-            <a:r>
-              <a:rPr lang="en-US" dirty="0"/>
-              <a:t> I look at the silhouette coefficient, and used elbow plot method to determine optimal cluster number. I then used PCA to visualize clusters</a:t>
+              <a:t>My solution was to eliminate “0” data and drop all null data. For model evaluation I look at the silhouette coefficient, and used elbow plot method to determine optimal cluster number. I then used PCA to visualize clusters</a:t>
             </a:r>
             <a:endParaRPr lang="en-US" b="1" dirty="0"/>
           </a:p>
@@ -5656,7 +5840,7 @@
         </p:nvSpPr>
         <p:spPr>
           <a:xfrm>
-            <a:off x="3593465" y="2744804"/>
+            <a:off x="3422426" y="1998011"/>
             <a:ext cx="6761215" cy="3895951"/>
           </a:xfrm>
         </p:spPr>
@@ -5735,7 +5919,7 @@
         </p:blipFill>
         <p:spPr>
           <a:xfrm>
-            <a:off x="714266" y="1750510"/>
+            <a:off x="520760" y="2283362"/>
             <a:ext cx="2714261" cy="2977105"/>
           </a:xfrm>
           <a:prstGeom prst="rect">
@@ -5855,8 +6039,8 @@
         </p:blipFill>
         <p:spPr>
           <a:xfrm>
-            <a:off x="7646126" y="464913"/>
-            <a:ext cx="4193769" cy="3812889"/>
+            <a:off x="7420456" y="464913"/>
+            <a:ext cx="4419440" cy="3626863"/>
           </a:xfrm>
           <a:prstGeom prst="rect">
             <a:avLst/>
@@ -5919,7 +6103,7 @@
         </p:nvSpPr>
         <p:spPr>
           <a:xfrm>
-            <a:off x="3396587" y="2767909"/>
+            <a:off x="3358092" y="2642919"/>
             <a:ext cx="7221066" cy="4091417"/>
           </a:xfrm>
         </p:spPr>
@@ -6029,7 +6213,7 @@
         </p:nvSpPr>
         <p:spPr>
           <a:xfrm>
-            <a:off x="8314062" y="1291800"/>
+            <a:off x="8149602" y="1187865"/>
             <a:ext cx="1221824" cy="1114346"/>
           </a:xfrm>
           <a:prstGeom prst="donut">
@@ -7338,24 +7522,6 @@
 </file>
 
 <file path=customXml/item1.xml><?xml version="1.0" encoding="utf-8"?>
-<p:properties xmlns:p="http://schemas.microsoft.com/office/2006/metadata/properties" xmlns:xsi="http://www.w3.org/2001/XMLSchema-instance" xmlns:pc="http://schemas.microsoft.com/office/infopath/2007/PartnerControls">
-  <documentManagement>
-    <Status xmlns="71af3243-3dd4-4a8d-8c0d-dd76da1f02a5">Not started</Status>
-    <MediaServiceKeyPoints xmlns="71af3243-3dd4-4a8d-8c0d-dd76da1f02a5" xsi:nil="true"/>
-  </documentManagement>
-</p:properties>
-</file>
-
-<file path=customXml/item2.xml><?xml version="1.0" encoding="utf-8"?>
-<?mso-contentType ?>
-<FormTemplates xmlns="http://schemas.microsoft.com/sharepoint/v3/contenttype/forms">
-  <Display>DocumentLibraryForm</Display>
-  <Edit>DocumentLibraryForm</Edit>
-  <New>DocumentLibraryForm</New>
-</FormTemplates>
-</file>
-
-<file path=customXml/item3.xml><?xml version="1.0" encoding="utf-8"?>
 <ct:contentTypeSchema xmlns:ct="http://schemas.microsoft.com/office/2006/metadata/contentType" xmlns:ma="http://schemas.microsoft.com/office/2006/metadata/properties/metaAttributes" ct:_="" ma:_="" ma:contentTypeName="Document" ma:contentTypeID="0x01010079F111ED35F8CC479449609E8A0923A6" ma:contentTypeVersion="12" ma:contentTypeDescription="Create a new document." ma:contentTypeScope="" ma:versionID="a410dd7f93c95333ffa1b60ed6adedd1">
   <xsd:schema xmlns:xsd="http://www.w3.org/2001/XMLSchema" xmlns:xs="http://www.w3.org/2001/XMLSchema" xmlns:p="http://schemas.microsoft.com/office/2006/metadata/properties" xmlns:ns2="71af3243-3dd4-4a8d-8c0d-dd76da1f02a5" xmlns:ns3="16c05727-aa75-4e4a-9b5f-8a80a1165891" targetNamespace="http://schemas.microsoft.com/office/2006/metadata/properties" ma:root="true" ma:fieldsID="a936d9baba76aa3866493feff160faab" ns2:_="" ns3:_="">
     <xsd:import namespace="71af3243-3dd4-4a8d-8c0d-dd76da1f02a5"/>
@@ -7576,25 +7742,25 @@
 </ct:contentTypeSchema>
 </file>
 
-<file path=customXml/itemProps1.xml><?xml version="1.0" encoding="utf-8"?>
-<ds:datastoreItem xmlns:ds="http://schemas.openxmlformats.org/officeDocument/2006/customXml" ds:itemID="{E7228C0C-F774-4270-99CB-314B07EBFBE7}">
-  <ds:schemaRefs>
-    <ds:schemaRef ds:uri="http://schemas.microsoft.com/office/2006/metadata/properties"/>
-    <ds:schemaRef ds:uri="http://schemas.microsoft.com/office/infopath/2007/PartnerControls"/>
-    <ds:schemaRef ds:uri="71af3243-3dd4-4a8d-8c0d-dd76da1f02a5"/>
-  </ds:schemaRefs>
-</ds:datastoreItem>
+<file path=customXml/item2.xml><?xml version="1.0" encoding="utf-8"?>
+<?mso-contentType ?>
+<FormTemplates xmlns="http://schemas.microsoft.com/sharepoint/v3/contenttype/forms">
+  <Display>DocumentLibraryForm</Display>
+  <Edit>DocumentLibraryForm</Edit>
+  <New>DocumentLibraryForm</New>
+</FormTemplates>
 </file>
 
-<file path=customXml/itemProps2.xml><?xml version="1.0" encoding="utf-8"?>
-<ds:datastoreItem xmlns:ds="http://schemas.openxmlformats.org/officeDocument/2006/customXml" ds:itemID="{7745B92C-4D89-4324-B52D-E1F5F627B790}">
-  <ds:schemaRefs>
-    <ds:schemaRef ds:uri="http://schemas.microsoft.com/sharepoint/v3/contenttype/forms"/>
-  </ds:schemaRefs>
-</ds:datastoreItem>
+<file path=customXml/item3.xml><?xml version="1.0" encoding="utf-8"?>
+<p:properties xmlns:p="http://schemas.microsoft.com/office/2006/metadata/properties" xmlns:xsi="http://www.w3.org/2001/XMLSchema-instance" xmlns:pc="http://schemas.microsoft.com/office/infopath/2007/PartnerControls">
+  <documentManagement>
+    <Status xmlns="71af3243-3dd4-4a8d-8c0d-dd76da1f02a5">Not started</Status>
+    <MediaServiceKeyPoints xmlns="71af3243-3dd4-4a8d-8c0d-dd76da1f02a5" xsi:nil="true"/>
+  </documentManagement>
+</p:properties>
 </file>
 
-<file path=customXml/itemProps3.xml><?xml version="1.0" encoding="utf-8"?>
+<file path=customXml/itemProps1.xml><?xml version="1.0" encoding="utf-8"?>
 <ds:datastoreItem xmlns:ds="http://schemas.openxmlformats.org/officeDocument/2006/customXml" ds:itemID="{E4487CEA-7875-4327-875F-CA3B32E8009E}">
   <ds:schemaRefs>
     <ds:schemaRef ds:uri="http://schemas.microsoft.com/office/2006/metadata/contentType"/>
@@ -7611,4 +7777,22 @@
     <ds:schemaRef ds:uri="http://schemas.microsoft.com/internal/obd"/>
   </ds:schemaRefs>
 </ds:datastoreItem>
+</file>
+
+<file path=customXml/itemProps2.xml><?xml version="1.0" encoding="utf-8"?>
+<ds:datastoreItem xmlns:ds="http://schemas.openxmlformats.org/officeDocument/2006/customXml" ds:itemID="{7745B92C-4D89-4324-B52D-E1F5F627B790}">
+  <ds:schemaRefs>
+    <ds:schemaRef ds:uri="http://schemas.microsoft.com/sharepoint/v3/contenttype/forms"/>
+  </ds:schemaRefs>
+</ds:datastoreItem>
+</file>
+
+<file path=customXml/itemProps3.xml><?xml version="1.0" encoding="utf-8"?>
+<ds:datastoreItem xmlns:ds="http://schemas.openxmlformats.org/officeDocument/2006/customXml" ds:itemID="{E7228C0C-F774-4270-99CB-314B07EBFBE7}">
+  <ds:schemaRefs>
+    <ds:schemaRef ds:uri="http://schemas.microsoft.com/office/2006/metadata/properties"/>
+    <ds:schemaRef ds:uri="http://schemas.microsoft.com/office/infopath/2007/PartnerControls"/>
+    <ds:schemaRef ds:uri="71af3243-3dd4-4a8d-8c0d-dd76da1f02a5"/>
+  </ds:schemaRefs>
+</ds:datastoreItem>
 </file>
--- a/Presentation/Fedex interview Round 2.pptx
+++ b/Presentation/Fedex interview Round 2.pptx
@@ -591,7 +591,7 @@
           <a:p>
             <a:fld id="{EA0C0817-A112-4847-8014-A94B7D2A4EA3}" type="datetime1">
               <a:rPr lang="en-US" smtClean="0"/>
-              <a:t>12/20/2020</a:t>
+              <a:t>12/21/2020</a:t>
             </a:fld>
             <a:endParaRPr lang="en-US" dirty="0"/>
           </a:p>
@@ -793,7 +793,7 @@
           <a:p>
             <a:fld id="{7332B432-ACDA-4023-A761-2BAB76577B62}" type="datetime1">
               <a:rPr lang="en-US" smtClean="0"/>
-              <a:t>12/20/2020</a:t>
+              <a:t>12/21/2020</a:t>
             </a:fld>
             <a:endParaRPr lang="en-US" dirty="0"/>
           </a:p>
@@ -1392,7 +1392,7 @@
           <a:p>
             <a:fld id="{D9C646AA-F36E-4540-911D-FFFC0A0EF24A}" type="datetime1">
               <a:rPr lang="en-US" smtClean="0"/>
-              <a:t>12/20/2020</a:t>
+              <a:t>12/21/2020</a:t>
             </a:fld>
             <a:endParaRPr lang="en-US" dirty="0"/>
           </a:p>
@@ -1712,7 +1712,7 @@
           <a:p>
             <a:fld id="{69186D26-FA5F-4637-B602-B7C2DC34CFD4}" type="datetime1">
               <a:rPr lang="en-US" smtClean="0"/>
-              <a:t>12/20/2020</a:t>
+              <a:t>12/21/2020</a:t>
             </a:fld>
             <a:endParaRPr lang="en-US" dirty="0"/>
           </a:p>
@@ -2149,7 +2149,7 @@
           <a:p>
             <a:fld id="{8A7F15D8-96D1-4781-BC50-CA8A088B2FE4}" type="datetime1">
               <a:rPr lang="en-US" smtClean="0"/>
-              <a:t>12/20/2020</a:t>
+              <a:t>12/21/2020</a:t>
             </a:fld>
             <a:endParaRPr lang="en-US" dirty="0"/>
           </a:p>
@@ -2267,7 +2267,7 @@
           <a:p>
             <a:fld id="{F9A96C99-B8F8-4528-BD05-0E16E943DC09}" type="datetime1">
               <a:rPr lang="en-US" smtClean="0"/>
-              <a:t>12/20/2020</a:t>
+              <a:t>12/21/2020</a:t>
             </a:fld>
             <a:endParaRPr lang="en-US" dirty="0"/>
           </a:p>
@@ -2362,7 +2362,7 @@
           <a:p>
             <a:fld id="{03636942-C211-4B28-8DBD-C953E00AF71B}" type="datetime1">
               <a:rPr lang="en-US" smtClean="0"/>
-              <a:t>12/20/2020</a:t>
+              <a:t>12/21/2020</a:t>
             </a:fld>
             <a:endParaRPr lang="en-US" dirty="0"/>
           </a:p>
@@ -2779,7 +2779,7 @@
           <a:p>
             <a:fld id="{7E8D12A6-918A-48BD-8CB9-CA713993B0EA}" type="datetime1">
               <a:rPr lang="en-US" smtClean="0"/>
-              <a:t>12/20/2020</a:t>
+              <a:t>12/21/2020</a:t>
             </a:fld>
             <a:endParaRPr lang="en-US" dirty="0"/>
           </a:p>
@@ -3041,7 +3041,7 @@
             <a:fld id="{E778CE86-875F-4587-BCF6-FA054AFC0D53}" type="datetime1">
               <a:rPr lang="en-US" smtClean="0"/>
               <a:pPr/>
-              <a:t>12/20/2020</a:t>
+              <a:t>12/21/2020</a:t>
             </a:fld>
             <a:endParaRPr lang="en-US" dirty="0"/>
           </a:p>
@@ -3557,7 +3557,7 @@
           <a:p>
             <a:fld id="{F6FA2B21-3FCD-4721-B95C-427943F61125}" type="datetime1">
               <a:rPr lang="en-US" smtClean="0"/>
-              <a:t>12/20/2020</a:t>
+              <a:t>12/21/2020</a:t>
             </a:fld>
             <a:endParaRPr lang="en-US" dirty="0"/>
           </a:p>
@@ -4305,10 +4305,22 @@
           </a:xfrm>
         </p:spPr>
         <p:txBody>
-          <a:bodyPr/>
+          <a:bodyPr>
+            <a:normAutofit fontScale="90000"/>
+          </a:bodyPr>
           <a:lstStyle/>
           <a:p>
             <a:pPr algn="ctr"/>
+            <a:r>
+              <a:rPr lang="en-US" dirty="0"/>
+              <a:t>Thank you for your time</a:t>
+            </a:r>
+            <a:br>
+              <a:rPr lang="en-US" dirty="0"/>
+            </a:br>
+            <a:br>
+              <a:rPr lang="en-US" dirty="0"/>
+            </a:br>
             <a:r>
               <a:rPr lang="en-US" dirty="0"/>
               <a:t>Questions?</a:t>
@@ -4364,8 +4376,8 @@
         </p:nvSpPr>
         <p:spPr>
           <a:xfrm>
-            <a:off x="501056" y="366300"/>
-            <a:ext cx="10058400" cy="1371600"/>
+            <a:off x="336378" y="361966"/>
+            <a:ext cx="10058400" cy="972798"/>
           </a:xfrm>
         </p:spPr>
         <p:txBody>
@@ -4397,7 +4409,7 @@
         </p:nvSpPr>
         <p:spPr>
           <a:xfrm>
-            <a:off x="764192" y="1530798"/>
+            <a:off x="755525" y="1223109"/>
             <a:ext cx="10484901" cy="4323994"/>
           </a:xfrm>
         </p:spPr>
@@ -4409,7 +4421,7 @@
           <a:p>
             <a:r>
               <a:rPr lang="en-US" sz="1600" b="1" dirty="0"/>
-              <a:t>I have implemented a Unsupervised clustering of data then fed results into a supervised workflow to train an inferior dataset to reconstruct the facies log I was able to build with the cluster labels</a:t>
+              <a:t>I implemented an Unsupervised clustering of data then fed results into a supervised workflow to train an inferior dataset to reconstruct the facies log I was able to build with the cluster labels</a:t>
             </a:r>
           </a:p>
           <a:p>
@@ -4418,7 +4430,7 @@
           <a:p>
             <a:r>
               <a:rPr lang="en-US" sz="1600" b="1" dirty="0"/>
-              <a:t>The supervised workflow was an ensemble WRF model and was evaluated on RMSE since it was a regression model and I felt that was a sufficient evaluation metric</a:t>
+              <a:t>The supervised workflow was an ensemble WRF model and was evaluated on RMSE since it was a regression model and I felt that was a sufficient evaluation metric. RMSE was based on a regression between predicted oil production and actual production in the train and test sets</a:t>
             </a:r>
           </a:p>
           <a:p>
@@ -4436,7 +4448,7 @@
           <a:p>
             <a:r>
               <a:rPr lang="en-US" sz="1600" b="1" dirty="0"/>
-              <a:t>In addition the model allowed us to visualize lateral distribution of containment facies which helped us to tailor our development strategy in certain areas</a:t>
+              <a:t>In addition the model allowed us to visualize lateral distribution of containment facies in the subsurface which helped us to tailor our development strategy in certain areas</a:t>
             </a:r>
           </a:p>
           <a:p>
@@ -4670,7 +4682,7 @@
             </a:r>
             <a:r>
               <a:rPr lang="en-US" dirty="0"/>
-              <a:t> data and “0” data. While 0’s were in-fact data, they were making the clustering workflow difficult to usefully interpret. </a:t>
+              <a:t> data and “0” data. While 0’s were in-fact data, they were making the clustering workflow difficult to usefully interpret. Data also needed log norm filter due to skewed nature</a:t>
             </a:r>
           </a:p>
           <a:p>
@@ -6933,8 +6945,8 @@
         </p:nvSpPr>
         <p:spPr>
           <a:xfrm>
-            <a:off x="433388" y="366369"/>
-            <a:ext cx="10058400" cy="1371600"/>
+            <a:off x="381362" y="366369"/>
+            <a:ext cx="5070370" cy="851386"/>
           </a:xfrm>
         </p:spPr>
         <p:txBody>
@@ -6966,18 +6978,27 @@
         </p:nvSpPr>
         <p:spPr>
           <a:xfrm>
-            <a:off x="433388" y="2117180"/>
-            <a:ext cx="7204441" cy="4374451"/>
+            <a:off x="433388" y="1516778"/>
+            <a:ext cx="7204441" cy="4974854"/>
           </a:xfrm>
         </p:spPr>
         <p:txBody>
           <a:bodyPr>
-            <a:normAutofit/>
+            <a:normAutofit lnSpcReduction="10000"/>
           </a:bodyPr>
           <a:lstStyle/>
           <a:p>
             <a:r>
               <a:rPr lang="en-US" b="1" dirty="0"/>
+              <a:t>Bank needed to segment its credit consumer base to begin understanding patterns in the various groups</a:t>
+            </a:r>
+          </a:p>
+          <a:p>
+            <a:endParaRPr lang="en-US" b="1" dirty="0"/>
+          </a:p>
+          <a:p>
+            <a:r>
+              <a:rPr lang="en-US" b="1" dirty="0"/>
               <a:t>Unsupervised clustering work revealed 3 distinct groups with unique credit use patterns</a:t>
             </a:r>
           </a:p>
@@ -7005,8 +7026,11 @@
           <a:p>
             <a:r>
               <a:rPr lang="en-US" b="1" dirty="0"/>
-              <a:t>Determine if there might be a better way to handle the null data; a insert median value operation might provide more useful data</a:t>
-            </a:r>
+              <a:t>Determine if there might be a better way to handle the null data; a insert median value operation might provide more useful data; investigate if running data through a log norm operation was overkill and if the skewed data might be more informative on the individual clusters of credit users</a:t>
+            </a:r>
+          </a:p>
+          <a:p>
+            <a:endParaRPr lang="en-US" b="1" dirty="0"/>
           </a:p>
         </p:txBody>
       </p:sp>
@@ -7024,7 +7048,7 @@
         </p:nvSpPr>
         <p:spPr>
           <a:xfrm>
-            <a:off x="9631319" y="2422502"/>
+            <a:off x="9474959" y="2582847"/>
             <a:ext cx="2210348" cy="2012996"/>
           </a:xfrm>
           <a:prstGeom prst="ellipse">
@@ -7073,7 +7097,7 @@
         </p:nvSpPr>
         <p:spPr>
           <a:xfrm>
-            <a:off x="7923310" y="444350"/>
+            <a:off x="8003807" y="679616"/>
             <a:ext cx="2210348" cy="2012996"/>
           </a:xfrm>
           <a:prstGeom prst="ellipse">
@@ -7125,7 +7149,7 @@
         </p:nvSpPr>
         <p:spPr>
           <a:xfrm>
-            <a:off x="7595968" y="4204333"/>
+            <a:off x="8046668" y="4400654"/>
             <a:ext cx="2210348" cy="2012996"/>
           </a:xfrm>
           <a:prstGeom prst="ellipse">
@@ -7188,7 +7212,7 @@
         </p:blipFill>
         <p:spPr>
           <a:xfrm>
-            <a:off x="9943964" y="2653259"/>
+            <a:off x="9860756" y="2772374"/>
             <a:ext cx="1438754" cy="1438754"/>
           </a:xfrm>
           <a:prstGeom prst="rect">
@@ -7224,7 +7248,7 @@
         </p:blipFill>
         <p:spPr>
           <a:xfrm>
-            <a:off x="7849715" y="4581144"/>
+            <a:off x="8304748" y="4692014"/>
             <a:ext cx="1608467" cy="1490471"/>
           </a:xfrm>
           <a:prstGeom prst="rect">
@@ -7522,6 +7546,24 @@
 </file>
 
 <file path=customXml/item1.xml><?xml version="1.0" encoding="utf-8"?>
+<p:properties xmlns:p="http://schemas.microsoft.com/office/2006/metadata/properties" xmlns:xsi="http://www.w3.org/2001/XMLSchema-instance" xmlns:pc="http://schemas.microsoft.com/office/infopath/2007/PartnerControls">
+  <documentManagement>
+    <Status xmlns="71af3243-3dd4-4a8d-8c0d-dd76da1f02a5">Not started</Status>
+    <MediaServiceKeyPoints xmlns="71af3243-3dd4-4a8d-8c0d-dd76da1f02a5" xsi:nil="true"/>
+  </documentManagement>
+</p:properties>
+</file>
+
+<file path=customXml/item2.xml><?xml version="1.0" encoding="utf-8"?>
+<?mso-contentType ?>
+<FormTemplates xmlns="http://schemas.microsoft.com/sharepoint/v3/contenttype/forms">
+  <Display>DocumentLibraryForm</Display>
+  <Edit>DocumentLibraryForm</Edit>
+  <New>DocumentLibraryForm</New>
+</FormTemplates>
+</file>
+
+<file path=customXml/item3.xml><?xml version="1.0" encoding="utf-8"?>
 <ct:contentTypeSchema xmlns:ct="http://schemas.microsoft.com/office/2006/metadata/contentType" xmlns:ma="http://schemas.microsoft.com/office/2006/metadata/properties/metaAttributes" ct:_="" ma:_="" ma:contentTypeName="Document" ma:contentTypeID="0x01010079F111ED35F8CC479449609E8A0923A6" ma:contentTypeVersion="12" ma:contentTypeDescription="Create a new document." ma:contentTypeScope="" ma:versionID="a410dd7f93c95333ffa1b60ed6adedd1">
   <xsd:schema xmlns:xsd="http://www.w3.org/2001/XMLSchema" xmlns:xs="http://www.w3.org/2001/XMLSchema" xmlns:p="http://schemas.microsoft.com/office/2006/metadata/properties" xmlns:ns2="71af3243-3dd4-4a8d-8c0d-dd76da1f02a5" xmlns:ns3="16c05727-aa75-4e4a-9b5f-8a80a1165891" targetNamespace="http://schemas.microsoft.com/office/2006/metadata/properties" ma:root="true" ma:fieldsID="a936d9baba76aa3866493feff160faab" ns2:_="" ns3:_="">
     <xsd:import namespace="71af3243-3dd4-4a8d-8c0d-dd76da1f02a5"/>
@@ -7742,25 +7784,25 @@
 </ct:contentTypeSchema>
 </file>
 
-<file path=customXml/item2.xml><?xml version="1.0" encoding="utf-8"?>
-<?mso-contentType ?>
-<FormTemplates xmlns="http://schemas.microsoft.com/sharepoint/v3/contenttype/forms">
-  <Display>DocumentLibraryForm</Display>
-  <Edit>DocumentLibraryForm</Edit>
-  <New>DocumentLibraryForm</New>
-</FormTemplates>
+<file path=customXml/itemProps1.xml><?xml version="1.0" encoding="utf-8"?>
+<ds:datastoreItem xmlns:ds="http://schemas.openxmlformats.org/officeDocument/2006/customXml" ds:itemID="{E7228C0C-F774-4270-99CB-314B07EBFBE7}">
+  <ds:schemaRefs>
+    <ds:schemaRef ds:uri="http://schemas.microsoft.com/office/2006/metadata/properties"/>
+    <ds:schemaRef ds:uri="http://schemas.microsoft.com/office/infopath/2007/PartnerControls"/>
+    <ds:schemaRef ds:uri="71af3243-3dd4-4a8d-8c0d-dd76da1f02a5"/>
+  </ds:schemaRefs>
+</ds:datastoreItem>
 </file>
 
-<file path=customXml/item3.xml><?xml version="1.0" encoding="utf-8"?>
-<p:properties xmlns:p="http://schemas.microsoft.com/office/2006/metadata/properties" xmlns:xsi="http://www.w3.org/2001/XMLSchema-instance" xmlns:pc="http://schemas.microsoft.com/office/infopath/2007/PartnerControls">
-  <documentManagement>
-    <Status xmlns="71af3243-3dd4-4a8d-8c0d-dd76da1f02a5">Not started</Status>
-    <MediaServiceKeyPoints xmlns="71af3243-3dd4-4a8d-8c0d-dd76da1f02a5" xsi:nil="true"/>
-  </documentManagement>
-</p:properties>
+<file path=customXml/itemProps2.xml><?xml version="1.0" encoding="utf-8"?>
+<ds:datastoreItem xmlns:ds="http://schemas.openxmlformats.org/officeDocument/2006/customXml" ds:itemID="{7745B92C-4D89-4324-B52D-E1F5F627B790}">
+  <ds:schemaRefs>
+    <ds:schemaRef ds:uri="http://schemas.microsoft.com/sharepoint/v3/contenttype/forms"/>
+  </ds:schemaRefs>
+</ds:datastoreItem>
 </file>
 
-<file path=customXml/itemProps1.xml><?xml version="1.0" encoding="utf-8"?>
+<file path=customXml/itemProps3.xml><?xml version="1.0" encoding="utf-8"?>
 <ds:datastoreItem xmlns:ds="http://schemas.openxmlformats.org/officeDocument/2006/customXml" ds:itemID="{E4487CEA-7875-4327-875F-CA3B32E8009E}">
   <ds:schemaRefs>
     <ds:schemaRef ds:uri="http://schemas.microsoft.com/office/2006/metadata/contentType"/>
@@ -7777,22 +7819,4 @@
     <ds:schemaRef ds:uri="http://schemas.microsoft.com/internal/obd"/>
   </ds:schemaRefs>
 </ds:datastoreItem>
-</file>
-
-<file path=customXml/itemProps2.xml><?xml version="1.0" encoding="utf-8"?>
-<ds:datastoreItem xmlns:ds="http://schemas.openxmlformats.org/officeDocument/2006/customXml" ds:itemID="{7745B92C-4D89-4324-B52D-E1F5F627B790}">
-  <ds:schemaRefs>
-    <ds:schemaRef ds:uri="http://schemas.microsoft.com/sharepoint/v3/contenttype/forms"/>
-  </ds:schemaRefs>
-</ds:datastoreItem>
-</file>
-
-<file path=customXml/itemProps3.xml><?xml version="1.0" encoding="utf-8"?>
-<ds:datastoreItem xmlns:ds="http://schemas.openxmlformats.org/officeDocument/2006/customXml" ds:itemID="{E7228C0C-F774-4270-99CB-314B07EBFBE7}">
-  <ds:schemaRefs>
-    <ds:schemaRef ds:uri="http://schemas.microsoft.com/office/2006/metadata/properties"/>
-    <ds:schemaRef ds:uri="http://schemas.microsoft.com/office/infopath/2007/PartnerControls"/>
-    <ds:schemaRef ds:uri="71af3243-3dd4-4a8d-8c0d-dd76da1f02a5"/>
-  </ds:schemaRefs>
-</ds:datastoreItem>
 </file>
--- a/Presentation/Fedex interview Round 2.pptx
+++ b/Presentation/Fedex interview Round 2.pptx
@@ -591,7 +591,7 @@
           <a:p>
             <a:fld id="{EA0C0817-A112-4847-8014-A94B7D2A4EA3}" type="datetime1">
               <a:rPr lang="en-US" smtClean="0"/>
-              <a:t>12/21/2020</a:t>
+              <a:t>12/29/2020</a:t>
             </a:fld>
             <a:endParaRPr lang="en-US" dirty="0"/>
           </a:p>
@@ -793,7 +793,7 @@
           <a:p>
             <a:fld id="{7332B432-ACDA-4023-A761-2BAB76577B62}" type="datetime1">
               <a:rPr lang="en-US" smtClean="0"/>
-              <a:t>12/21/2020</a:t>
+              <a:t>12/29/2020</a:t>
             </a:fld>
             <a:endParaRPr lang="en-US" dirty="0"/>
           </a:p>
@@ -1392,7 +1392,7 @@
           <a:p>
             <a:fld id="{D9C646AA-F36E-4540-911D-FFFC0A0EF24A}" type="datetime1">
               <a:rPr lang="en-US" smtClean="0"/>
-              <a:t>12/21/2020</a:t>
+              <a:t>12/29/2020</a:t>
             </a:fld>
             <a:endParaRPr lang="en-US" dirty="0"/>
           </a:p>
@@ -1712,7 +1712,7 @@
           <a:p>
             <a:fld id="{69186D26-FA5F-4637-B602-B7C2DC34CFD4}" type="datetime1">
               <a:rPr lang="en-US" smtClean="0"/>
-              <a:t>12/21/2020</a:t>
+              <a:t>12/29/2020</a:t>
             </a:fld>
             <a:endParaRPr lang="en-US" dirty="0"/>
           </a:p>
@@ -2149,7 +2149,7 @@
           <a:p>
             <a:fld id="{8A7F15D8-96D1-4781-BC50-CA8A088B2FE4}" type="datetime1">
               <a:rPr lang="en-US" smtClean="0"/>
-              <a:t>12/21/2020</a:t>
+              <a:t>12/29/2020</a:t>
             </a:fld>
             <a:endParaRPr lang="en-US" dirty="0"/>
           </a:p>
@@ -2267,7 +2267,7 @@
           <a:p>
             <a:fld id="{F9A96C99-B8F8-4528-BD05-0E16E943DC09}" type="datetime1">
               <a:rPr lang="en-US" smtClean="0"/>
-              <a:t>12/21/2020</a:t>
+              <a:t>12/29/2020</a:t>
             </a:fld>
             <a:endParaRPr lang="en-US" dirty="0"/>
           </a:p>
@@ -2362,7 +2362,7 @@
           <a:p>
             <a:fld id="{03636942-C211-4B28-8DBD-C953E00AF71B}" type="datetime1">
               <a:rPr lang="en-US" smtClean="0"/>
-              <a:t>12/21/2020</a:t>
+              <a:t>12/29/2020</a:t>
             </a:fld>
             <a:endParaRPr lang="en-US" dirty="0"/>
           </a:p>
@@ -2779,7 +2779,7 @@
           <a:p>
             <a:fld id="{7E8D12A6-918A-48BD-8CB9-CA713993B0EA}" type="datetime1">
               <a:rPr lang="en-US" smtClean="0"/>
-              <a:t>12/21/2020</a:t>
+              <a:t>12/29/2020</a:t>
             </a:fld>
             <a:endParaRPr lang="en-US" dirty="0"/>
           </a:p>
@@ -3041,7 +3041,7 @@
             <a:fld id="{E778CE86-875F-4587-BCF6-FA054AFC0D53}" type="datetime1">
               <a:rPr lang="en-US" smtClean="0"/>
               <a:pPr/>
-              <a:t>12/21/2020</a:t>
+              <a:t>12/29/2020</a:t>
             </a:fld>
             <a:endParaRPr lang="en-US" dirty="0"/>
           </a:p>
@@ -3557,7 +3557,7 @@
           <a:p>
             <a:fld id="{F6FA2B21-3FCD-4721-B95C-427943F61125}" type="datetime1">
               <a:rPr lang="en-US" smtClean="0"/>
-              <a:t>12/21/2020</a:t>
+              <a:t>12/29/2020</a:t>
             </a:fld>
             <a:endParaRPr lang="en-US" dirty="0"/>
           </a:p>
@@ -4981,13 +4981,16 @@
             <a:pPr lvl="1"/>
             <a:r>
               <a:rPr lang="en-US" dirty="0"/>
-              <a:t>Second highest group was carrying the highest balance but making nearly the least amount of purchase/payments. This group could benefit from a purchase incentive program, offering double triple points for every purchase </a:t>
-            </a:r>
-            <a:r>
-              <a:rPr lang="en-US" dirty="0" err="1"/>
-              <a:t>etc</a:t>
-            </a:r>
-            <a:endParaRPr lang="en-US" dirty="0"/>
+              <a:t>Second highest group was carrying the highest balance but making nearly the least amount of purchase/payments. This group could benefit from a purchase incentive program, offering double triple points for every purchase etc. Outreach on </a:t>
+            </a:r>
+            <a:r>
+              <a:rPr lang="en-US"/>
+              <a:t>a personal loan </a:t>
+            </a:r>
+            <a:r>
+              <a:rPr lang="en-US" dirty="0"/>
+              <a:t>program or home equity credit lines</a:t>
+            </a:r>
           </a:p>
           <a:p>
             <a:pPr lvl="1"/>
@@ -5005,15 +5008,7 @@
             </a:r>
             <a:r>
               <a:rPr lang="en-US" dirty="0"/>
-              <a:t> tier credit limit group had a lower credit limit and balance and made lots of small purchases. Outreach from marketing to increase credit limits in this group could incentivize to make larger </a:t>
-            </a:r>
-            <a:r>
-              <a:rPr lang="en-US" dirty="0" err="1"/>
-              <a:t>purchses</a:t>
-            </a:r>
-            <a:r>
-              <a:rPr lang="en-US" dirty="0"/>
-              <a:t>.</a:t>
+              <a:t> tier credit limit group had a lower credit limit and balance and made lots of small purchases. Outreach from marketing to increase credit limits in this group could incentivize to make larger purchases.</a:t>
             </a:r>
           </a:p>
         </p:txBody>
@@ -5889,7 +5884,7 @@
           <a:p>
             <a:r>
               <a:rPr lang="en-US" b="1" dirty="0"/>
-              <a:t>Second highest balance</a:t>
+              <a:t>Tied highest balance</a:t>
             </a:r>
           </a:p>
           <a:p>
@@ -6115,7 +6110,7 @@
         </p:nvSpPr>
         <p:spPr>
           <a:xfrm>
-            <a:off x="3358092" y="2642919"/>
+            <a:off x="3358092" y="2612583"/>
             <a:ext cx="7221066" cy="4091417"/>
           </a:xfrm>
         </p:spPr>
@@ -6144,15 +6139,7 @@
           <a:p>
             <a:r>
               <a:rPr lang="en-US" sz="1600" b="1" dirty="0"/>
-              <a:t>3</a:t>
-            </a:r>
-            <a:r>
-              <a:rPr lang="en-US" sz="1600" b="1" baseline="30000" dirty="0"/>
-              <a:t>rd</a:t>
-            </a:r>
-            <a:r>
-              <a:rPr lang="en-US" sz="1600" b="1" dirty="0"/>
-              <a:t> highest balance</a:t>
+              <a:t>Nearly highest balance</a:t>
             </a:r>
           </a:p>
           <a:p>
@@ -6170,7 +6157,16 @@
           <a:p>
             <a:r>
               <a:rPr lang="en-US" sz="1600" b="1" dirty="0"/>
-              <a:t>Mission: advise Bank Z to monitor this group for a potential credit limit increase, implement a new larger cash back bonus program when purchase exceed a certain amount to incentivize them the make larger purchases. Understand the cash advance patterns in this group</a:t>
+              <a:t>Highest cash advance group</a:t>
+            </a:r>
+          </a:p>
+          <a:p>
+            <a:endParaRPr lang="en-US" sz="1600" b="1" dirty="0"/>
+          </a:p>
+          <a:p>
+            <a:r>
+              <a:rPr lang="en-US" sz="1600" b="1" dirty="0"/>
+              <a:t>Mission: advise Bank Z to monitor this group for personal loan outreach or home equity credit line outreach. Strategize ways to incentivize group to make frequent credit card purchases</a:t>
             </a:r>
           </a:p>
         </p:txBody>
@@ -6423,13 +6419,13 @@
         </p:nvSpPr>
         <p:spPr>
           <a:xfrm>
-            <a:off x="3645283" y="3059935"/>
+            <a:off x="3562944" y="3329400"/>
             <a:ext cx="6761215" cy="3081601"/>
           </a:xfrm>
         </p:spPr>
         <p:txBody>
           <a:bodyPr>
-            <a:normAutofit fontScale="92500" lnSpcReduction="10000"/>
+            <a:normAutofit fontScale="85000" lnSpcReduction="20000"/>
           </a:bodyPr>
           <a:lstStyle/>
           <a:p>
@@ -6452,7 +6448,7 @@
           <a:p>
             <a:r>
               <a:rPr lang="en-US" sz="1600" b="1" dirty="0"/>
-              <a:t>Highest balance</a:t>
+              <a:t>lowest balance</a:t>
             </a:r>
           </a:p>
           <a:p>
@@ -6461,7 +6457,14 @@
           <a:p>
             <a:r>
               <a:rPr lang="en-US" sz="1600" b="1" dirty="0"/>
-              <a:t>Largest cash advance group</a:t>
+              <a:t>Purchases and Payments seem to be in line with each other</a:t>
+            </a:r>
+          </a:p>
+          <a:p>
+            <a:pPr lvl="1"/>
+            <a:r>
+              <a:rPr lang="en-US" sz="1400" b="1" dirty="0"/>
+              <a:t>Consider advertisements for credit limit increases to current cards</a:t>
             </a:r>
           </a:p>
           <a:p>
@@ -6478,7 +6481,7 @@
             </a:r>
             <a:r>
               <a:rPr lang="en-US" sz="1600" b="1" dirty="0"/>
-              <a:t> and payment patterns are very tight, so investigate purchase categories and see if a new or different type of card would incentivize purchases</a:t>
+              <a:t> and payment patterns are very tight, so investigate purchase categories and see if a new or different type of card would incentivize purchases. Entertain credit limit increase</a:t>
             </a:r>
           </a:p>
         </p:txBody>
@@ -7546,24 +7549,6 @@
 </file>
 
 <file path=customXml/item1.xml><?xml version="1.0" encoding="utf-8"?>
-<p:properties xmlns:p="http://schemas.microsoft.com/office/2006/metadata/properties" xmlns:xsi="http://www.w3.org/2001/XMLSchema-instance" xmlns:pc="http://schemas.microsoft.com/office/infopath/2007/PartnerControls">
-  <documentManagement>
-    <Status xmlns="71af3243-3dd4-4a8d-8c0d-dd76da1f02a5">Not started</Status>
-    <MediaServiceKeyPoints xmlns="71af3243-3dd4-4a8d-8c0d-dd76da1f02a5" xsi:nil="true"/>
-  </documentManagement>
-</p:properties>
-</file>
-
-<file path=customXml/item2.xml><?xml version="1.0" encoding="utf-8"?>
-<?mso-contentType ?>
-<FormTemplates xmlns="http://schemas.microsoft.com/sharepoint/v3/contenttype/forms">
-  <Display>DocumentLibraryForm</Display>
-  <Edit>DocumentLibraryForm</Edit>
-  <New>DocumentLibraryForm</New>
-</FormTemplates>
-</file>
-
-<file path=customXml/item3.xml><?xml version="1.0" encoding="utf-8"?>
 <ct:contentTypeSchema xmlns:ct="http://schemas.microsoft.com/office/2006/metadata/contentType" xmlns:ma="http://schemas.microsoft.com/office/2006/metadata/properties/metaAttributes" ct:_="" ma:_="" ma:contentTypeName="Document" ma:contentTypeID="0x01010079F111ED35F8CC479449609E8A0923A6" ma:contentTypeVersion="12" ma:contentTypeDescription="Create a new document." ma:contentTypeScope="" ma:versionID="a410dd7f93c95333ffa1b60ed6adedd1">
   <xsd:schema xmlns:xsd="http://www.w3.org/2001/XMLSchema" xmlns:xs="http://www.w3.org/2001/XMLSchema" xmlns:p="http://schemas.microsoft.com/office/2006/metadata/properties" xmlns:ns2="71af3243-3dd4-4a8d-8c0d-dd76da1f02a5" xmlns:ns3="16c05727-aa75-4e4a-9b5f-8a80a1165891" targetNamespace="http://schemas.microsoft.com/office/2006/metadata/properties" ma:root="true" ma:fieldsID="a936d9baba76aa3866493feff160faab" ns2:_="" ns3:_="">
     <xsd:import namespace="71af3243-3dd4-4a8d-8c0d-dd76da1f02a5"/>
@@ -7784,25 +7769,25 @@
 </ct:contentTypeSchema>
 </file>
 
-<file path=customXml/itemProps1.xml><?xml version="1.0" encoding="utf-8"?>
-<ds:datastoreItem xmlns:ds="http://schemas.openxmlformats.org/officeDocument/2006/customXml" ds:itemID="{E7228C0C-F774-4270-99CB-314B07EBFBE7}">
-  <ds:schemaRefs>
-    <ds:schemaRef ds:uri="http://schemas.microsoft.com/office/2006/metadata/properties"/>
-    <ds:schemaRef ds:uri="http://schemas.microsoft.com/office/infopath/2007/PartnerControls"/>
-    <ds:schemaRef ds:uri="71af3243-3dd4-4a8d-8c0d-dd76da1f02a5"/>
-  </ds:schemaRefs>
-</ds:datastoreItem>
+<file path=customXml/item2.xml><?xml version="1.0" encoding="utf-8"?>
+<?mso-contentType ?>
+<FormTemplates xmlns="http://schemas.microsoft.com/sharepoint/v3/contenttype/forms">
+  <Display>DocumentLibraryForm</Display>
+  <Edit>DocumentLibraryForm</Edit>
+  <New>DocumentLibraryForm</New>
+</FormTemplates>
 </file>
 
-<file path=customXml/itemProps2.xml><?xml version="1.0" encoding="utf-8"?>
-<ds:datastoreItem xmlns:ds="http://schemas.openxmlformats.org/officeDocument/2006/customXml" ds:itemID="{7745B92C-4D89-4324-B52D-E1F5F627B790}">
-  <ds:schemaRefs>
-    <ds:schemaRef ds:uri="http://schemas.microsoft.com/sharepoint/v3/contenttype/forms"/>
-  </ds:schemaRefs>
-</ds:datastoreItem>
+<file path=customXml/item3.xml><?xml version="1.0" encoding="utf-8"?>
+<p:properties xmlns:p="http://schemas.microsoft.com/office/2006/metadata/properties" xmlns:xsi="http://www.w3.org/2001/XMLSchema-instance" xmlns:pc="http://schemas.microsoft.com/office/infopath/2007/PartnerControls">
+  <documentManagement>
+    <Status xmlns="71af3243-3dd4-4a8d-8c0d-dd76da1f02a5">Not started</Status>
+    <MediaServiceKeyPoints xmlns="71af3243-3dd4-4a8d-8c0d-dd76da1f02a5" xsi:nil="true"/>
+  </documentManagement>
+</p:properties>
 </file>
 
-<file path=customXml/itemProps3.xml><?xml version="1.0" encoding="utf-8"?>
+<file path=customXml/itemProps1.xml><?xml version="1.0" encoding="utf-8"?>
 <ds:datastoreItem xmlns:ds="http://schemas.openxmlformats.org/officeDocument/2006/customXml" ds:itemID="{E4487CEA-7875-4327-875F-CA3B32E8009E}">
   <ds:schemaRefs>
     <ds:schemaRef ds:uri="http://schemas.microsoft.com/office/2006/metadata/contentType"/>
@@ -7819,4 +7804,22 @@
     <ds:schemaRef ds:uri="http://schemas.microsoft.com/internal/obd"/>
   </ds:schemaRefs>
 </ds:datastoreItem>
+</file>
+
+<file path=customXml/itemProps2.xml><?xml version="1.0" encoding="utf-8"?>
+<ds:datastoreItem xmlns:ds="http://schemas.openxmlformats.org/officeDocument/2006/customXml" ds:itemID="{7745B92C-4D89-4324-B52D-E1F5F627B790}">
+  <ds:schemaRefs>
+    <ds:schemaRef ds:uri="http://schemas.microsoft.com/sharepoint/v3/contenttype/forms"/>
+  </ds:schemaRefs>
+</ds:datastoreItem>
+</file>
+
+<file path=customXml/itemProps3.xml><?xml version="1.0" encoding="utf-8"?>
+<ds:datastoreItem xmlns:ds="http://schemas.openxmlformats.org/officeDocument/2006/customXml" ds:itemID="{E7228C0C-F774-4270-99CB-314B07EBFBE7}">
+  <ds:schemaRefs>
+    <ds:schemaRef ds:uri="http://schemas.microsoft.com/office/2006/metadata/properties"/>
+    <ds:schemaRef ds:uri="http://schemas.microsoft.com/office/infopath/2007/PartnerControls"/>
+    <ds:schemaRef ds:uri="71af3243-3dd4-4a8d-8c0d-dd76da1f02a5"/>
+  </ds:schemaRefs>
+</ds:datastoreItem>
 </file>
--- a/Presentation/Fedex interview Round 2.pptx
+++ b/Presentation/Fedex interview Round 2.pptx
@@ -9,10 +9,10 @@
     <p:sldId id="262" r:id="rId6"/>
     <p:sldId id="273" r:id="rId7"/>
     <p:sldId id="269" r:id="rId8"/>
-    <p:sldId id="270" r:id="rId9"/>
-    <p:sldId id="271" r:id="rId10"/>
-    <p:sldId id="272" r:id="rId11"/>
-    <p:sldId id="275" r:id="rId12"/>
+    <p:sldId id="275" r:id="rId9"/>
+    <p:sldId id="270" r:id="rId10"/>
+    <p:sldId id="271" r:id="rId11"/>
+    <p:sldId id="272" r:id="rId12"/>
     <p:sldId id="267" r:id="rId13"/>
     <p:sldId id="276" r:id="rId14"/>
     <p:sldId id="277" r:id="rId15"/>
@@ -5427,7 +5427,7 @@
         </p:blipFill>
         <p:spPr>
           <a:xfrm>
-            <a:off x="2808128" y="1382613"/>
+            <a:off x="2616907" y="1243615"/>
             <a:ext cx="3175981" cy="2082365"/>
           </a:xfrm>
           <a:prstGeom prst="rect">
@@ -5598,7 +5598,7 @@
         </p:nvCxnSpPr>
         <p:spPr>
           <a:xfrm flipH="1">
-            <a:off x="4009139" y="2145802"/>
+            <a:off x="3823183" y="2011464"/>
             <a:ext cx="195759" cy="277993"/>
           </a:xfrm>
           <a:prstGeom prst="straightConnector1">
@@ -5683,7 +5683,7 @@
         </p:blipFill>
         <p:spPr>
           <a:xfrm>
-            <a:off x="4009139" y="4146425"/>
+            <a:off x="4018942" y="3817149"/>
             <a:ext cx="3183230" cy="2308324"/>
           </a:xfrm>
           <a:prstGeom prst="rect">
@@ -5719,7 +5719,7 @@
         <p:spPr>
           <a:xfrm>
             <a:off x="395638" y="3555473"/>
-            <a:ext cx="3617888" cy="2539130"/>
+            <a:ext cx="3511305" cy="2464327"/>
           </a:xfrm>
           <a:prstGeom prst="rect">
             <a:avLst/>
@@ -5745,6 +5745,360 @@
 </file>
 
 <file path=ppt/slides/slide5.xml><?xml version="1.0" encoding="utf-8"?>
+<p:sld xmlns:a="http://schemas.openxmlformats.org/drawingml/2006/main" xmlns:r="http://schemas.openxmlformats.org/officeDocument/2006/relationships" xmlns:p="http://schemas.openxmlformats.org/presentationml/2006/main">
+  <p:cSld>
+    <p:spTree>
+      <p:nvGrpSpPr>
+        <p:cNvPr id="1" name=""/>
+        <p:cNvGrpSpPr/>
+        <p:nvPr/>
+      </p:nvGrpSpPr>
+      <p:grpSpPr>
+        <a:xfrm>
+          <a:off x="0" y="0"/>
+          <a:ext cx="0" cy="0"/>
+          <a:chOff x="0" y="0"/>
+          <a:chExt cx="0" cy="0"/>
+        </a:xfrm>
+      </p:grpSpPr>
+      <p:sp>
+        <p:nvSpPr>
+          <p:cNvPr id="2" name="Title 1">
+            <a:extLst>
+              <a:ext uri="{FF2B5EF4-FFF2-40B4-BE49-F238E27FC236}">
+                <a16:creationId xmlns:a16="http://schemas.microsoft.com/office/drawing/2014/main" id="{9F386FB7-00AD-4BA8-8B0E-8F9F35AE9873}"/>
+              </a:ext>
+            </a:extLst>
+          </p:cNvPr>
+          <p:cNvSpPr>
+            <a:spLocks noGrp="1"/>
+          </p:cNvSpPr>
+          <p:nvPr>
+            <p:ph type="title"/>
+          </p:nvPr>
+        </p:nvSpPr>
+        <p:spPr>
+          <a:xfrm>
+            <a:off x="360080" y="65597"/>
+            <a:ext cx="10058400" cy="1371600"/>
+          </a:xfrm>
+        </p:spPr>
+        <p:txBody>
+          <a:bodyPr/>
+          <a:lstStyle/>
+          <a:p>
+            <a:r>
+              <a:rPr lang="en-US" dirty="0"/>
+              <a:t>Analysis</a:t>
+            </a:r>
+          </a:p>
+        </p:txBody>
+      </p:sp>
+      <p:sp>
+        <p:nvSpPr>
+          <p:cNvPr id="3" name="Content Placeholder 2">
+            <a:extLst>
+              <a:ext uri="{FF2B5EF4-FFF2-40B4-BE49-F238E27FC236}">
+                <a16:creationId xmlns:a16="http://schemas.microsoft.com/office/drawing/2014/main" id="{399C8191-246B-4D0B-804D-0797303132DA}"/>
+              </a:ext>
+            </a:extLst>
+          </p:cNvPr>
+          <p:cNvSpPr>
+            <a:spLocks noGrp="1"/>
+          </p:cNvSpPr>
+          <p:nvPr>
+            <p:ph idx="1"/>
+          </p:nvPr>
+        </p:nvSpPr>
+        <p:spPr>
+          <a:xfrm>
+            <a:off x="6792686" y="418012"/>
+            <a:ext cx="4943439" cy="6078582"/>
+          </a:xfrm>
+        </p:spPr>
+        <p:txBody>
+          <a:bodyPr>
+            <a:normAutofit lnSpcReduction="10000"/>
+          </a:bodyPr>
+          <a:lstStyle/>
+          <a:p>
+            <a:r>
+              <a:rPr lang="en-US" b="1" dirty="0"/>
+              <a:t>The data set had several null values that needed to be cleaned</a:t>
+            </a:r>
+          </a:p>
+          <a:p>
+            <a:endParaRPr lang="en-US" b="1" dirty="0"/>
+          </a:p>
+          <a:p>
+            <a:r>
+              <a:rPr lang="en-US" b="1" dirty="0"/>
+              <a:t>There were lots of “0” values that caused cluster analysis to be difficult, so they were removed</a:t>
+            </a:r>
+          </a:p>
+          <a:p>
+            <a:endParaRPr lang="en-US" b="1" dirty="0"/>
+          </a:p>
+          <a:p>
+            <a:r>
+              <a:rPr lang="en-US" b="1" dirty="0"/>
+              <a:t>Heat plot was used to visualized correlations across all datasets</a:t>
+            </a:r>
+          </a:p>
+          <a:p>
+            <a:endParaRPr lang="en-US" b="1" dirty="0"/>
+          </a:p>
+          <a:p>
+            <a:r>
+              <a:rPr lang="en-US" b="1" dirty="0"/>
+              <a:t>The data had a highly skewed nature that required log norm adjustment</a:t>
+            </a:r>
+          </a:p>
+          <a:p>
+            <a:r>
+              <a:rPr lang="en-US" b="1" dirty="0"/>
+              <a:t>Selected cluster count with elbow plot</a:t>
+            </a:r>
+          </a:p>
+          <a:p>
+            <a:r>
+              <a:rPr lang="en-US" b="1" dirty="0"/>
+              <a:t>Used boxplots to visualize the clustering results, and guide interpretation </a:t>
+            </a:r>
+          </a:p>
+          <a:p>
+            <a:r>
+              <a:rPr lang="en-US" b="1" dirty="0"/>
+              <a:t>Used silhouette </a:t>
+            </a:r>
+            <a:r>
+              <a:rPr lang="en-US" b="1" dirty="0" err="1"/>
+              <a:t>coeff</a:t>
+            </a:r>
+            <a:r>
+              <a:rPr lang="en-US" b="1" dirty="0"/>
+              <a:t> to understand cluster selection</a:t>
+            </a:r>
+          </a:p>
+          <a:p>
+            <a:endParaRPr lang="en-US" b="1" dirty="0"/>
+          </a:p>
+          <a:p>
+            <a:r>
+              <a:rPr lang="en-US" b="1" dirty="0"/>
+              <a:t>Used PCA with 2 components to visualize clusters</a:t>
+            </a:r>
+          </a:p>
+          <a:p>
+            <a:pPr lvl="1"/>
+            <a:r>
+              <a:rPr lang="en-US" b="1" dirty="0"/>
+              <a:t>Accounted for 84% of variance (3 PCs accounted for 96% of variance)</a:t>
+            </a:r>
+          </a:p>
+          <a:p>
+            <a:endParaRPr lang="en-US" b="1" dirty="0"/>
+          </a:p>
+          <a:p>
+            <a:endParaRPr lang="en-US" b="1" dirty="0"/>
+          </a:p>
+          <a:p>
+            <a:endParaRPr lang="en-US" b="1" dirty="0"/>
+          </a:p>
+          <a:p>
+            <a:endParaRPr lang="en-US" b="1" dirty="0"/>
+          </a:p>
+        </p:txBody>
+      </p:sp>
+      <p:pic>
+        <p:nvPicPr>
+          <p:cNvPr id="5" name="Picture 4">
+            <a:extLst>
+              <a:ext uri="{FF2B5EF4-FFF2-40B4-BE49-F238E27FC236}">
+                <a16:creationId xmlns:a16="http://schemas.microsoft.com/office/drawing/2014/main" id="{7B95E48A-B291-4366-B41B-A96622588B67}"/>
+              </a:ext>
+            </a:extLst>
+          </p:cNvPr>
+          <p:cNvPicPr>
+            <a:picLocks noChangeAspect="1"/>
+          </p:cNvPicPr>
+          <p:nvPr/>
+        </p:nvPicPr>
+        <p:blipFill>
+          <a:blip r:embed="rId2"/>
+          <a:stretch>
+            <a:fillRect/>
+          </a:stretch>
+        </p:blipFill>
+        <p:spPr>
+          <a:xfrm>
+            <a:off x="515555" y="1177867"/>
+            <a:ext cx="3428619" cy="2251133"/>
+          </a:xfrm>
+          <a:prstGeom prst="rect">
+            <a:avLst/>
+          </a:prstGeom>
+          <a:ln w="34925">
+            <a:solidFill>
+              <a:schemeClr val="tx1"/>
+            </a:solidFill>
+          </a:ln>
+        </p:spPr>
+      </p:pic>
+      <p:pic>
+        <p:nvPicPr>
+          <p:cNvPr id="7" name="Picture 6">
+            <a:extLst>
+              <a:ext uri="{FF2B5EF4-FFF2-40B4-BE49-F238E27FC236}">
+                <a16:creationId xmlns:a16="http://schemas.microsoft.com/office/drawing/2014/main" id="{34D63C92-DFF4-4610-9DFA-9874DE28DEB9}"/>
+              </a:ext>
+            </a:extLst>
+          </p:cNvPr>
+          <p:cNvPicPr>
+            <a:picLocks noChangeAspect="1"/>
+          </p:cNvPicPr>
+          <p:nvPr/>
+        </p:nvPicPr>
+        <p:blipFill>
+          <a:blip r:embed="rId3"/>
+          <a:stretch>
+            <a:fillRect/>
+          </a:stretch>
+        </p:blipFill>
+        <p:spPr>
+          <a:xfrm>
+            <a:off x="520483" y="4108082"/>
+            <a:ext cx="3055900" cy="2206249"/>
+          </a:xfrm>
+          <a:prstGeom prst="rect">
+            <a:avLst/>
+          </a:prstGeom>
+          <a:ln w="31750">
+            <a:solidFill>
+              <a:schemeClr val="tx1"/>
+            </a:solidFill>
+          </a:ln>
+        </p:spPr>
+      </p:pic>
+      <p:pic>
+        <p:nvPicPr>
+          <p:cNvPr id="8" name="Picture 7">
+            <a:extLst>
+              <a:ext uri="{FF2B5EF4-FFF2-40B4-BE49-F238E27FC236}">
+                <a16:creationId xmlns:a16="http://schemas.microsoft.com/office/drawing/2014/main" id="{98D5552C-01DA-49E6-B3A7-23E090B1E44B}"/>
+              </a:ext>
+            </a:extLst>
+          </p:cNvPr>
+          <p:cNvPicPr>
+            <a:picLocks noChangeAspect="1"/>
+          </p:cNvPicPr>
+          <p:nvPr/>
+        </p:nvPicPr>
+        <p:blipFill>
+          <a:blip r:embed="rId4"/>
+          <a:stretch>
+            <a:fillRect/>
+          </a:stretch>
+        </p:blipFill>
+        <p:spPr>
+          <a:xfrm>
+            <a:off x="4231214" y="1069847"/>
+            <a:ext cx="2316132" cy="1518596"/>
+          </a:xfrm>
+          <a:prstGeom prst="rect">
+            <a:avLst/>
+          </a:prstGeom>
+          <a:ln w="31750">
+            <a:solidFill>
+              <a:schemeClr val="tx1"/>
+            </a:solidFill>
+          </a:ln>
+        </p:spPr>
+      </p:pic>
+      <p:pic>
+        <p:nvPicPr>
+          <p:cNvPr id="9" name="Picture 8">
+            <a:extLst>
+              <a:ext uri="{FF2B5EF4-FFF2-40B4-BE49-F238E27FC236}">
+                <a16:creationId xmlns:a16="http://schemas.microsoft.com/office/drawing/2014/main" id="{9BDCFC4B-7299-46B9-9D1C-ACE790194435}"/>
+              </a:ext>
+            </a:extLst>
+          </p:cNvPr>
+          <p:cNvPicPr>
+            <a:picLocks noChangeAspect="1"/>
+          </p:cNvPicPr>
+          <p:nvPr/>
+        </p:nvPicPr>
+        <p:blipFill>
+          <a:blip r:embed="rId5"/>
+          <a:stretch>
+            <a:fillRect/>
+          </a:stretch>
+        </p:blipFill>
+        <p:spPr>
+          <a:xfrm>
+            <a:off x="3511775" y="2901889"/>
+            <a:ext cx="2958934" cy="1675601"/>
+          </a:xfrm>
+          <a:prstGeom prst="rect">
+            <a:avLst/>
+          </a:prstGeom>
+          <a:ln w="34925">
+            <a:solidFill>
+              <a:schemeClr val="tx1"/>
+            </a:solidFill>
+          </a:ln>
+        </p:spPr>
+      </p:pic>
+      <p:pic>
+        <p:nvPicPr>
+          <p:cNvPr id="10" name="Picture 9">
+            <a:extLst>
+              <a:ext uri="{FF2B5EF4-FFF2-40B4-BE49-F238E27FC236}">
+                <a16:creationId xmlns:a16="http://schemas.microsoft.com/office/drawing/2014/main" id="{63FDB4ED-F84B-4870-84BA-BE2A87A44CC9}"/>
+              </a:ext>
+            </a:extLst>
+          </p:cNvPr>
+          <p:cNvPicPr>
+            <a:picLocks noChangeAspect="1"/>
+          </p:cNvPicPr>
+          <p:nvPr/>
+        </p:nvPicPr>
+        <p:blipFill>
+          <a:blip r:embed="rId6"/>
+          <a:stretch>
+            <a:fillRect/>
+          </a:stretch>
+        </p:blipFill>
+        <p:spPr>
+          <a:xfrm>
+            <a:off x="4020667" y="4723304"/>
+            <a:ext cx="2526679" cy="1773290"/>
+          </a:xfrm>
+          <a:prstGeom prst="rect">
+            <a:avLst/>
+          </a:prstGeom>
+          <a:ln w="31750">
+            <a:solidFill>
+              <a:schemeClr val="tx1"/>
+            </a:solidFill>
+          </a:ln>
+        </p:spPr>
+      </p:pic>
+    </p:spTree>
+    <p:extLst>
+      <p:ext uri="{BB962C8B-B14F-4D97-AF65-F5344CB8AC3E}">
+        <p14:creationId xmlns:p14="http://schemas.microsoft.com/office/powerpoint/2010/main" val="3468618176"/>
+      </p:ext>
+    </p:extLst>
+  </p:cSld>
+  <p:clrMapOvr>
+    <a:masterClrMapping/>
+  </p:clrMapOvr>
+</p:sld>
+</file>
+
+<file path=ppt/slides/slide6.xml><?xml version="1.0" encoding="utf-8"?>
 <p:sld xmlns:a="http://schemas.openxmlformats.org/drawingml/2006/main" xmlns:r="http://schemas.openxmlformats.org/officeDocument/2006/relationships" xmlns:p="http://schemas.openxmlformats.org/presentationml/2006/main">
   <p:cSld>
     <p:spTree>
@@ -6007,7 +6361,7 @@
 </p:sld>
 </file>
 
-<file path=ppt/slides/slide6.xml><?xml version="1.0" encoding="utf-8"?>
+<file path=ppt/slides/slide7.xml><?xml version="1.0" encoding="utf-8"?>
 <p:sld xmlns:a="http://schemas.openxmlformats.org/drawingml/2006/main" xmlns:r="http://schemas.openxmlformats.org/officeDocument/2006/relationships" xmlns:p="http://schemas.openxmlformats.org/presentationml/2006/main">
   <p:cSld>
     <p:spTree>
@@ -6280,7 +6634,7 @@
 </p:sld>
 </file>
 
-<file path=ppt/slides/slide7.xml><?xml version="1.0" encoding="utf-8"?>
+<file path=ppt/slides/slide8.xml><?xml version="1.0" encoding="utf-8"?>
 <p:sld xmlns:a="http://schemas.openxmlformats.org/drawingml/2006/main" xmlns:r="http://schemas.openxmlformats.org/officeDocument/2006/relationships" xmlns:p="http://schemas.openxmlformats.org/presentationml/2006/main">
   <p:cSld>
     <p:spTree>
@@ -6550,360 +6904,6 @@
     <p:extLst>
       <p:ext uri="{BB962C8B-B14F-4D97-AF65-F5344CB8AC3E}">
         <p14:creationId xmlns:p14="http://schemas.microsoft.com/office/powerpoint/2010/main" val="3932557107"/>
-      </p:ext>
-    </p:extLst>
-  </p:cSld>
-  <p:clrMapOvr>
-    <a:masterClrMapping/>
-  </p:clrMapOvr>
-</p:sld>
-</file>
-
-<file path=ppt/slides/slide8.xml><?xml version="1.0" encoding="utf-8"?>
-<p:sld xmlns:a="http://schemas.openxmlformats.org/drawingml/2006/main" xmlns:r="http://schemas.openxmlformats.org/officeDocument/2006/relationships" xmlns:p="http://schemas.openxmlformats.org/presentationml/2006/main">
-  <p:cSld>
-    <p:spTree>
-      <p:nvGrpSpPr>
-        <p:cNvPr id="1" name=""/>
-        <p:cNvGrpSpPr/>
-        <p:nvPr/>
-      </p:nvGrpSpPr>
-      <p:grpSpPr>
-        <a:xfrm>
-          <a:off x="0" y="0"/>
-          <a:ext cx="0" cy="0"/>
-          <a:chOff x="0" y="0"/>
-          <a:chExt cx="0" cy="0"/>
-        </a:xfrm>
-      </p:grpSpPr>
-      <p:sp>
-        <p:nvSpPr>
-          <p:cNvPr id="2" name="Title 1">
-            <a:extLst>
-              <a:ext uri="{FF2B5EF4-FFF2-40B4-BE49-F238E27FC236}">
-                <a16:creationId xmlns:a16="http://schemas.microsoft.com/office/drawing/2014/main" id="{9F386FB7-00AD-4BA8-8B0E-8F9F35AE9873}"/>
-              </a:ext>
-            </a:extLst>
-          </p:cNvPr>
-          <p:cNvSpPr>
-            <a:spLocks noGrp="1"/>
-          </p:cNvSpPr>
-          <p:nvPr>
-            <p:ph type="title"/>
-          </p:nvPr>
-        </p:nvSpPr>
-        <p:spPr>
-          <a:xfrm>
-            <a:off x="360080" y="65597"/>
-            <a:ext cx="10058400" cy="1371600"/>
-          </a:xfrm>
-        </p:spPr>
-        <p:txBody>
-          <a:bodyPr/>
-          <a:lstStyle/>
-          <a:p>
-            <a:r>
-              <a:rPr lang="en-US" dirty="0"/>
-              <a:t>Analysis</a:t>
-            </a:r>
-          </a:p>
-        </p:txBody>
-      </p:sp>
-      <p:sp>
-        <p:nvSpPr>
-          <p:cNvPr id="3" name="Content Placeholder 2">
-            <a:extLst>
-              <a:ext uri="{FF2B5EF4-FFF2-40B4-BE49-F238E27FC236}">
-                <a16:creationId xmlns:a16="http://schemas.microsoft.com/office/drawing/2014/main" id="{399C8191-246B-4D0B-804D-0797303132DA}"/>
-              </a:ext>
-            </a:extLst>
-          </p:cNvPr>
-          <p:cNvSpPr>
-            <a:spLocks noGrp="1"/>
-          </p:cNvSpPr>
-          <p:nvPr>
-            <p:ph idx="1"/>
-          </p:nvPr>
-        </p:nvSpPr>
-        <p:spPr>
-          <a:xfrm>
-            <a:off x="6792686" y="418012"/>
-            <a:ext cx="4943439" cy="6078582"/>
-          </a:xfrm>
-        </p:spPr>
-        <p:txBody>
-          <a:bodyPr>
-            <a:normAutofit lnSpcReduction="10000"/>
-          </a:bodyPr>
-          <a:lstStyle/>
-          <a:p>
-            <a:r>
-              <a:rPr lang="en-US" b="1" dirty="0"/>
-              <a:t>The data set had several null values that needed to be cleaned</a:t>
-            </a:r>
-          </a:p>
-          <a:p>
-            <a:endParaRPr lang="en-US" b="1" dirty="0"/>
-          </a:p>
-          <a:p>
-            <a:r>
-              <a:rPr lang="en-US" b="1" dirty="0"/>
-              <a:t>There were lots of “0” values that caused cluster analysis to be difficult, so they were removed</a:t>
-            </a:r>
-          </a:p>
-          <a:p>
-            <a:endParaRPr lang="en-US" b="1" dirty="0"/>
-          </a:p>
-          <a:p>
-            <a:r>
-              <a:rPr lang="en-US" b="1" dirty="0"/>
-              <a:t>Heat plot was used to visualized correlations across all datasets</a:t>
-            </a:r>
-          </a:p>
-          <a:p>
-            <a:endParaRPr lang="en-US" b="1" dirty="0"/>
-          </a:p>
-          <a:p>
-            <a:r>
-              <a:rPr lang="en-US" b="1" dirty="0"/>
-              <a:t>The data had a highly skewed nature that required log norm adjustment</a:t>
-            </a:r>
-          </a:p>
-          <a:p>
-            <a:r>
-              <a:rPr lang="en-US" b="1" dirty="0"/>
-              <a:t>Selected cluster count with elbow plot</a:t>
-            </a:r>
-          </a:p>
-          <a:p>
-            <a:r>
-              <a:rPr lang="en-US" b="1" dirty="0"/>
-              <a:t>Used boxplots to visualize the clustering results, and guide interpretation </a:t>
-            </a:r>
-          </a:p>
-          <a:p>
-            <a:r>
-              <a:rPr lang="en-US" b="1" dirty="0"/>
-              <a:t>Used silhouette </a:t>
-            </a:r>
-            <a:r>
-              <a:rPr lang="en-US" b="1" dirty="0" err="1"/>
-              <a:t>coeff</a:t>
-            </a:r>
-            <a:r>
-              <a:rPr lang="en-US" b="1" dirty="0"/>
-              <a:t> to understand cluster selection</a:t>
-            </a:r>
-          </a:p>
-          <a:p>
-            <a:endParaRPr lang="en-US" b="1" dirty="0"/>
-          </a:p>
-          <a:p>
-            <a:r>
-              <a:rPr lang="en-US" b="1" dirty="0"/>
-              <a:t>Used PCA with 2 components to visualize clusters</a:t>
-            </a:r>
-          </a:p>
-          <a:p>
-            <a:pPr lvl="1"/>
-            <a:r>
-              <a:rPr lang="en-US" b="1" dirty="0"/>
-              <a:t>Accounted for 84% of variance (3 PCs accounted for 96% of variance)</a:t>
-            </a:r>
-          </a:p>
-          <a:p>
-            <a:endParaRPr lang="en-US" b="1" dirty="0"/>
-          </a:p>
-          <a:p>
-            <a:endParaRPr lang="en-US" b="1" dirty="0"/>
-          </a:p>
-          <a:p>
-            <a:endParaRPr lang="en-US" b="1" dirty="0"/>
-          </a:p>
-          <a:p>
-            <a:endParaRPr lang="en-US" b="1" dirty="0"/>
-          </a:p>
-        </p:txBody>
-      </p:sp>
-      <p:pic>
-        <p:nvPicPr>
-          <p:cNvPr id="5" name="Picture 4">
-            <a:extLst>
-              <a:ext uri="{FF2B5EF4-FFF2-40B4-BE49-F238E27FC236}">
-                <a16:creationId xmlns:a16="http://schemas.microsoft.com/office/drawing/2014/main" id="{7B95E48A-B291-4366-B41B-A96622588B67}"/>
-              </a:ext>
-            </a:extLst>
-          </p:cNvPr>
-          <p:cNvPicPr>
-            <a:picLocks noChangeAspect="1"/>
-          </p:cNvPicPr>
-          <p:nvPr/>
-        </p:nvPicPr>
-        <p:blipFill>
-          <a:blip r:embed="rId2"/>
-          <a:stretch>
-            <a:fillRect/>
-          </a:stretch>
-        </p:blipFill>
-        <p:spPr>
-          <a:xfrm>
-            <a:off x="515555" y="1177867"/>
-            <a:ext cx="3428619" cy="2251133"/>
-          </a:xfrm>
-          <a:prstGeom prst="rect">
-            <a:avLst/>
-          </a:prstGeom>
-          <a:ln w="34925">
-            <a:solidFill>
-              <a:schemeClr val="tx1"/>
-            </a:solidFill>
-          </a:ln>
-        </p:spPr>
-      </p:pic>
-      <p:pic>
-        <p:nvPicPr>
-          <p:cNvPr id="7" name="Picture 6">
-            <a:extLst>
-              <a:ext uri="{FF2B5EF4-FFF2-40B4-BE49-F238E27FC236}">
-                <a16:creationId xmlns:a16="http://schemas.microsoft.com/office/drawing/2014/main" id="{34D63C92-DFF4-4610-9DFA-9874DE28DEB9}"/>
-              </a:ext>
-            </a:extLst>
-          </p:cNvPr>
-          <p:cNvPicPr>
-            <a:picLocks noChangeAspect="1"/>
-          </p:cNvPicPr>
-          <p:nvPr/>
-        </p:nvPicPr>
-        <p:blipFill>
-          <a:blip r:embed="rId3"/>
-          <a:stretch>
-            <a:fillRect/>
-          </a:stretch>
-        </p:blipFill>
-        <p:spPr>
-          <a:xfrm>
-            <a:off x="520483" y="4108082"/>
-            <a:ext cx="3055900" cy="2206249"/>
-          </a:xfrm>
-          <a:prstGeom prst="rect">
-            <a:avLst/>
-          </a:prstGeom>
-          <a:ln w="31750">
-            <a:solidFill>
-              <a:schemeClr val="tx1"/>
-            </a:solidFill>
-          </a:ln>
-        </p:spPr>
-      </p:pic>
-      <p:pic>
-        <p:nvPicPr>
-          <p:cNvPr id="8" name="Picture 7">
-            <a:extLst>
-              <a:ext uri="{FF2B5EF4-FFF2-40B4-BE49-F238E27FC236}">
-                <a16:creationId xmlns:a16="http://schemas.microsoft.com/office/drawing/2014/main" id="{98D5552C-01DA-49E6-B3A7-23E090B1E44B}"/>
-              </a:ext>
-            </a:extLst>
-          </p:cNvPr>
-          <p:cNvPicPr>
-            <a:picLocks noChangeAspect="1"/>
-          </p:cNvPicPr>
-          <p:nvPr/>
-        </p:nvPicPr>
-        <p:blipFill>
-          <a:blip r:embed="rId4"/>
-          <a:stretch>
-            <a:fillRect/>
-          </a:stretch>
-        </p:blipFill>
-        <p:spPr>
-          <a:xfrm>
-            <a:off x="4231214" y="1069847"/>
-            <a:ext cx="2316132" cy="1518596"/>
-          </a:xfrm>
-          <a:prstGeom prst="rect">
-            <a:avLst/>
-          </a:prstGeom>
-          <a:ln w="31750">
-            <a:solidFill>
-              <a:schemeClr val="tx1"/>
-            </a:solidFill>
-          </a:ln>
-        </p:spPr>
-      </p:pic>
-      <p:pic>
-        <p:nvPicPr>
-          <p:cNvPr id="9" name="Picture 8">
-            <a:extLst>
-              <a:ext uri="{FF2B5EF4-FFF2-40B4-BE49-F238E27FC236}">
-                <a16:creationId xmlns:a16="http://schemas.microsoft.com/office/drawing/2014/main" id="{9BDCFC4B-7299-46B9-9D1C-ACE790194435}"/>
-              </a:ext>
-            </a:extLst>
-          </p:cNvPr>
-          <p:cNvPicPr>
-            <a:picLocks noChangeAspect="1"/>
-          </p:cNvPicPr>
-          <p:nvPr/>
-        </p:nvPicPr>
-        <p:blipFill>
-          <a:blip r:embed="rId5"/>
-          <a:stretch>
-            <a:fillRect/>
-          </a:stretch>
-        </p:blipFill>
-        <p:spPr>
-          <a:xfrm>
-            <a:off x="3511775" y="2901889"/>
-            <a:ext cx="2958934" cy="1675601"/>
-          </a:xfrm>
-          <a:prstGeom prst="rect">
-            <a:avLst/>
-          </a:prstGeom>
-          <a:ln w="34925">
-            <a:solidFill>
-              <a:schemeClr val="tx1"/>
-            </a:solidFill>
-          </a:ln>
-        </p:spPr>
-      </p:pic>
-      <p:pic>
-        <p:nvPicPr>
-          <p:cNvPr id="10" name="Picture 9">
-            <a:extLst>
-              <a:ext uri="{FF2B5EF4-FFF2-40B4-BE49-F238E27FC236}">
-                <a16:creationId xmlns:a16="http://schemas.microsoft.com/office/drawing/2014/main" id="{63FDB4ED-F84B-4870-84BA-BE2A87A44CC9}"/>
-              </a:ext>
-            </a:extLst>
-          </p:cNvPr>
-          <p:cNvPicPr>
-            <a:picLocks noChangeAspect="1"/>
-          </p:cNvPicPr>
-          <p:nvPr/>
-        </p:nvPicPr>
-        <p:blipFill>
-          <a:blip r:embed="rId6"/>
-          <a:stretch>
-            <a:fillRect/>
-          </a:stretch>
-        </p:blipFill>
-        <p:spPr>
-          <a:xfrm>
-            <a:off x="4020667" y="4723304"/>
-            <a:ext cx="2526679" cy="1773290"/>
-          </a:xfrm>
-          <a:prstGeom prst="rect">
-            <a:avLst/>
-          </a:prstGeom>
-          <a:ln w="31750">
-            <a:solidFill>
-              <a:schemeClr val="tx1"/>
-            </a:solidFill>
-          </a:ln>
-        </p:spPr>
-      </p:pic>
-    </p:spTree>
-    <p:extLst>
-      <p:ext uri="{BB962C8B-B14F-4D97-AF65-F5344CB8AC3E}">
-        <p14:creationId xmlns:p14="http://schemas.microsoft.com/office/powerpoint/2010/main" val="3468618176"/>
       </p:ext>
     </p:extLst>
   </p:cSld>
@@ -7549,6 +7549,24 @@
 </file>
 
 <file path=customXml/item1.xml><?xml version="1.0" encoding="utf-8"?>
+<p:properties xmlns:p="http://schemas.microsoft.com/office/2006/metadata/properties" xmlns:xsi="http://www.w3.org/2001/XMLSchema-instance" xmlns:pc="http://schemas.microsoft.com/office/infopath/2007/PartnerControls">
+  <documentManagement>
+    <Status xmlns="71af3243-3dd4-4a8d-8c0d-dd76da1f02a5">Not started</Status>
+    <MediaServiceKeyPoints xmlns="71af3243-3dd4-4a8d-8c0d-dd76da1f02a5" xsi:nil="true"/>
+  </documentManagement>
+</p:properties>
+</file>
+
+<file path=customXml/item2.xml><?xml version="1.0" encoding="utf-8"?>
+<?mso-contentType ?>
+<FormTemplates xmlns="http://schemas.microsoft.com/sharepoint/v3/contenttype/forms">
+  <Display>DocumentLibraryForm</Display>
+  <Edit>DocumentLibraryForm</Edit>
+  <New>DocumentLibraryForm</New>
+</FormTemplates>
+</file>
+
+<file path=customXml/item3.xml><?xml version="1.0" encoding="utf-8"?>
 <ct:contentTypeSchema xmlns:ct="http://schemas.microsoft.com/office/2006/metadata/contentType" xmlns:ma="http://schemas.microsoft.com/office/2006/metadata/properties/metaAttributes" ct:_="" ma:_="" ma:contentTypeName="Document" ma:contentTypeID="0x01010079F111ED35F8CC479449609E8A0923A6" ma:contentTypeVersion="12" ma:contentTypeDescription="Create a new document." ma:contentTypeScope="" ma:versionID="a410dd7f93c95333ffa1b60ed6adedd1">
   <xsd:schema xmlns:xsd="http://www.w3.org/2001/XMLSchema" xmlns:xs="http://www.w3.org/2001/XMLSchema" xmlns:p="http://schemas.microsoft.com/office/2006/metadata/properties" xmlns:ns2="71af3243-3dd4-4a8d-8c0d-dd76da1f02a5" xmlns:ns3="16c05727-aa75-4e4a-9b5f-8a80a1165891" targetNamespace="http://schemas.microsoft.com/office/2006/metadata/properties" ma:root="true" ma:fieldsID="a936d9baba76aa3866493feff160faab" ns2:_="" ns3:_="">
     <xsd:import namespace="71af3243-3dd4-4a8d-8c0d-dd76da1f02a5"/>
@@ -7769,25 +7787,25 @@
 </ct:contentTypeSchema>
 </file>
 
-<file path=customXml/item2.xml><?xml version="1.0" encoding="utf-8"?>
-<?mso-contentType ?>
-<FormTemplates xmlns="http://schemas.microsoft.com/sharepoint/v3/contenttype/forms">
-  <Display>DocumentLibraryForm</Display>
-  <Edit>DocumentLibraryForm</Edit>
-  <New>DocumentLibraryForm</New>
-</FormTemplates>
+<file path=customXml/itemProps1.xml><?xml version="1.0" encoding="utf-8"?>
+<ds:datastoreItem xmlns:ds="http://schemas.openxmlformats.org/officeDocument/2006/customXml" ds:itemID="{E7228C0C-F774-4270-99CB-314B07EBFBE7}">
+  <ds:schemaRefs>
+    <ds:schemaRef ds:uri="http://schemas.microsoft.com/office/2006/metadata/properties"/>
+    <ds:schemaRef ds:uri="http://schemas.microsoft.com/office/infopath/2007/PartnerControls"/>
+    <ds:schemaRef ds:uri="71af3243-3dd4-4a8d-8c0d-dd76da1f02a5"/>
+  </ds:schemaRefs>
+</ds:datastoreItem>
 </file>
 
-<file path=customXml/item3.xml><?xml version="1.0" encoding="utf-8"?>
-<p:properties xmlns:p="http://schemas.microsoft.com/office/2006/metadata/properties" xmlns:xsi="http://www.w3.org/2001/XMLSchema-instance" xmlns:pc="http://schemas.microsoft.com/office/infopath/2007/PartnerControls">
-  <documentManagement>
-    <Status xmlns="71af3243-3dd4-4a8d-8c0d-dd76da1f02a5">Not started</Status>
-    <MediaServiceKeyPoints xmlns="71af3243-3dd4-4a8d-8c0d-dd76da1f02a5" xsi:nil="true"/>
-  </documentManagement>
-</p:properties>
+<file path=customXml/itemProps2.xml><?xml version="1.0" encoding="utf-8"?>
+<ds:datastoreItem xmlns:ds="http://schemas.openxmlformats.org/officeDocument/2006/customXml" ds:itemID="{7745B92C-4D89-4324-B52D-E1F5F627B790}">
+  <ds:schemaRefs>
+    <ds:schemaRef ds:uri="http://schemas.microsoft.com/sharepoint/v3/contenttype/forms"/>
+  </ds:schemaRefs>
+</ds:datastoreItem>
 </file>
 
-<file path=customXml/itemProps1.xml><?xml version="1.0" encoding="utf-8"?>
+<file path=customXml/itemProps3.xml><?xml version="1.0" encoding="utf-8"?>
 <ds:datastoreItem xmlns:ds="http://schemas.openxmlformats.org/officeDocument/2006/customXml" ds:itemID="{E4487CEA-7875-4327-875F-CA3B32E8009E}">
   <ds:schemaRefs>
     <ds:schemaRef ds:uri="http://schemas.microsoft.com/office/2006/metadata/contentType"/>
@@ -7804,22 +7822,4 @@
     <ds:schemaRef ds:uri="http://schemas.microsoft.com/internal/obd"/>
   </ds:schemaRefs>
 </ds:datastoreItem>
-</file>
-
-<file path=customXml/itemProps2.xml><?xml version="1.0" encoding="utf-8"?>
-<ds:datastoreItem xmlns:ds="http://schemas.openxmlformats.org/officeDocument/2006/customXml" ds:itemID="{7745B92C-4D89-4324-B52D-E1F5F627B790}">
-  <ds:schemaRefs>
-    <ds:schemaRef ds:uri="http://schemas.microsoft.com/sharepoint/v3/contenttype/forms"/>
-  </ds:schemaRefs>
-</ds:datastoreItem>
-</file>
-
-<file path=customXml/itemProps3.xml><?xml version="1.0" encoding="utf-8"?>
-<ds:datastoreItem xmlns:ds="http://schemas.openxmlformats.org/officeDocument/2006/customXml" ds:itemID="{E7228C0C-F774-4270-99CB-314B07EBFBE7}">
-  <ds:schemaRefs>
-    <ds:schemaRef ds:uri="http://schemas.microsoft.com/office/2006/metadata/properties"/>
-    <ds:schemaRef ds:uri="http://schemas.microsoft.com/office/infopath/2007/PartnerControls"/>
-    <ds:schemaRef ds:uri="71af3243-3dd4-4a8d-8c0d-dd76da1f02a5"/>
-  </ds:schemaRefs>
-</ds:datastoreItem>
 </file>